--- a/DOC/PPT/squared.pptx
+++ b/DOC/PPT/squared.pptx
@@ -9,11 +9,12 @@
     <p:sldId id="257" r:id="rId3"/>
     <p:sldId id="258" r:id="rId4"/>
     <p:sldId id="259" r:id="rId5"/>
-    <p:sldId id="260" r:id="rId6"/>
-    <p:sldId id="261" r:id="rId7"/>
+    <p:sldId id="261" r:id="rId6"/>
+    <p:sldId id="260" r:id="rId7"/>
     <p:sldId id="262" r:id="rId8"/>
     <p:sldId id="264" r:id="rId9"/>
     <p:sldId id="263" r:id="rId10"/>
+    <p:sldId id="265" r:id="rId11"/>
   </p:sldIdLst>
   <p:sldSz cx="9144000" cy="6858000" type="screen4x3"/>
   <p:notesSz cx="6858000" cy="9144000"/>
@@ -147,6 +148,9 @@
             <a:off x="683568" y="260648"/>
             <a:ext cx="7772400" cy="1470025"/>
           </a:xfrm>
+          <a:prstGeom prst="rect">
+            <a:avLst/>
+          </a:prstGeom>
         </p:spPr>
         <p:txBody>
           <a:bodyPr/>
@@ -175,6 +179,9 @@
             <a:off x="1371600" y="3886200"/>
             <a:ext cx="6400800" cy="1752600"/>
           </a:xfrm>
+          <a:prstGeom prst="rect">
+            <a:avLst/>
+          </a:prstGeom>
         </p:spPr>
         <p:txBody>
           <a:bodyPr/>
@@ -296,7 +303,7 @@
           <a:p>
             <a:fld id="{AA309A6D-C09C-4548-B29A-6CF363A7E532}" type="datetimeFigureOut">
               <a:rPr lang="fr-FR" smtClean="0"/>
-              <a:t>06/07/2015</a:t>
+              <a:t>07/07/2015</a:t>
             </a:fld>
             <a:endParaRPr lang="fr-BE"/>
           </a:p>
@@ -386,7 +393,15 @@
             <p:ph type="title"/>
           </p:nvPr>
         </p:nvSpPr>
-        <p:spPr/>
+        <p:spPr>
+          <a:xfrm>
+            <a:off x="457200" y="274638"/>
+            <a:ext cx="8229600" cy="1143000"/>
+          </a:xfrm>
+          <a:prstGeom prst="rect">
+            <a:avLst/>
+          </a:prstGeom>
+        </p:spPr>
         <p:txBody>
           <a:bodyPr/>
           <a:lstStyle/>
@@ -409,7 +424,15 @@
             <p:ph type="body" orient="vert" idx="1"/>
           </p:nvPr>
         </p:nvSpPr>
-        <p:spPr/>
+        <p:spPr>
+          <a:xfrm>
+            <a:off x="457200" y="1600200"/>
+            <a:ext cx="8229600" cy="4525963"/>
+          </a:xfrm>
+          <a:prstGeom prst="rect">
+            <a:avLst/>
+          </a:prstGeom>
+        </p:spPr>
         <p:txBody>
           <a:bodyPr vert="eaVert"/>
           <a:lstStyle/>
@@ -468,7 +491,7 @@
           <a:p>
             <a:fld id="{AA309A6D-C09C-4548-B29A-6CF363A7E532}" type="datetimeFigureOut">
               <a:rPr lang="fr-FR" smtClean="0"/>
-              <a:t>06/07/2015</a:t>
+              <a:t>07/07/2015</a:t>
             </a:fld>
             <a:endParaRPr lang="fr-BE"/>
           </a:p>
@@ -556,6 +579,9 @@
             <a:off x="6629400" y="274638"/>
             <a:ext cx="2057400" cy="5851525"/>
           </a:xfrm>
+          <a:prstGeom prst="rect">
+            <a:avLst/>
+          </a:prstGeom>
         </p:spPr>
         <p:txBody>
           <a:bodyPr vert="eaVert"/>
@@ -584,6 +610,9 @@
             <a:off x="457200" y="274638"/>
             <a:ext cx="6019800" cy="5851525"/>
           </a:xfrm>
+          <a:prstGeom prst="rect">
+            <a:avLst/>
+          </a:prstGeom>
         </p:spPr>
         <p:txBody>
           <a:bodyPr vert="eaVert"/>
@@ -643,7 +672,7 @@
           <a:p>
             <a:fld id="{AA309A6D-C09C-4548-B29A-6CF363A7E532}" type="datetimeFigureOut">
               <a:rPr lang="fr-FR" smtClean="0"/>
-              <a:t>06/07/2015</a:t>
+              <a:t>07/07/2015</a:t>
             </a:fld>
             <a:endParaRPr lang="fr-BE"/>
           </a:p>
@@ -696,6 +725,13 @@
   <p:clrMapOvr>
     <a:masterClrMapping/>
   </p:clrMapOvr>
+  <p:timing>
+    <p:tnLst>
+      <p:par>
+        <p:cTn id="1" dur="indefinite" restart="never" nodeType="tmRoot"/>
+      </p:par>
+    </p:tnLst>
+  </p:timing>
 </p:sldLayout>
 </file>
 
@@ -726,7 +762,15 @@
             <p:ph type="title"/>
           </p:nvPr>
         </p:nvSpPr>
-        <p:spPr/>
+        <p:spPr>
+          <a:xfrm>
+            <a:off x="457200" y="274638"/>
+            <a:ext cx="8229600" cy="1143000"/>
+          </a:xfrm>
+          <a:prstGeom prst="rect">
+            <a:avLst/>
+          </a:prstGeom>
+        </p:spPr>
         <p:txBody>
           <a:bodyPr/>
           <a:lstStyle/>
@@ -749,7 +793,15 @@
             <p:ph idx="1"/>
           </p:nvPr>
         </p:nvSpPr>
-        <p:spPr/>
+        <p:spPr>
+          <a:xfrm>
+            <a:off x="457200" y="1600200"/>
+            <a:ext cx="8229600" cy="4525963"/>
+          </a:xfrm>
+          <a:prstGeom prst="rect">
+            <a:avLst/>
+          </a:prstGeom>
+        </p:spPr>
         <p:txBody>
           <a:bodyPr/>
           <a:lstStyle/>
@@ -808,7 +860,7 @@
           <a:p>
             <a:fld id="{AA309A6D-C09C-4548-B29A-6CF363A7E532}" type="datetimeFigureOut">
               <a:rPr lang="fr-FR" smtClean="0"/>
-              <a:t>06/07/2015</a:t>
+              <a:t>07/07/2015</a:t>
             </a:fld>
             <a:endParaRPr lang="fr-BE"/>
           </a:p>
@@ -903,6 +955,9 @@
             <a:off x="722313" y="4406900"/>
             <a:ext cx="7772400" cy="1362075"/>
           </a:xfrm>
+          <a:prstGeom prst="rect">
+            <a:avLst/>
+          </a:prstGeom>
         </p:spPr>
         <p:txBody>
           <a:bodyPr anchor="t"/>
@@ -935,6 +990,9 @@
             <a:off x="722313" y="2906713"/>
             <a:ext cx="7772400" cy="1500187"/>
           </a:xfrm>
+          <a:prstGeom prst="rect">
+            <a:avLst/>
+          </a:prstGeom>
         </p:spPr>
         <p:txBody>
           <a:bodyPr anchor="b"/>
@@ -1056,7 +1114,7 @@
           <a:p>
             <a:fld id="{AA309A6D-C09C-4548-B29A-6CF363A7E532}" type="datetimeFigureOut">
               <a:rPr lang="fr-FR" smtClean="0"/>
-              <a:t>06/07/2015</a:t>
+              <a:t>07/07/2015</a:t>
             </a:fld>
             <a:endParaRPr lang="fr-BE"/>
           </a:p>
@@ -1146,7 +1204,15 @@
             <p:ph type="title"/>
           </p:nvPr>
         </p:nvSpPr>
-        <p:spPr/>
+        <p:spPr>
+          <a:xfrm>
+            <a:off x="457200" y="274638"/>
+            <a:ext cx="8229600" cy="1143000"/>
+          </a:xfrm>
+          <a:prstGeom prst="rect">
+            <a:avLst/>
+          </a:prstGeom>
+        </p:spPr>
         <p:txBody>
           <a:bodyPr/>
           <a:lstStyle/>
@@ -1174,6 +1240,9 @@
             <a:off x="457200" y="1600200"/>
             <a:ext cx="4038600" cy="4525963"/>
           </a:xfrm>
+          <a:prstGeom prst="rect">
+            <a:avLst/>
+          </a:prstGeom>
         </p:spPr>
         <p:txBody>
           <a:bodyPr/>
@@ -1259,6 +1328,9 @@
             <a:off x="4648200" y="1600200"/>
             <a:ext cx="4038600" cy="4525963"/>
           </a:xfrm>
+          <a:prstGeom prst="rect">
+            <a:avLst/>
+          </a:prstGeom>
         </p:spPr>
         <p:txBody>
           <a:bodyPr/>
@@ -1346,7 +1418,7 @@
           <a:p>
             <a:fld id="{AA309A6D-C09C-4548-B29A-6CF363A7E532}" type="datetimeFigureOut">
               <a:rPr lang="fr-FR" smtClean="0"/>
-              <a:t>06/07/2015</a:t>
+              <a:t>07/07/2015</a:t>
             </a:fld>
             <a:endParaRPr lang="fr-BE"/>
           </a:p>
@@ -1429,7 +1501,15 @@
             <p:ph type="title"/>
           </p:nvPr>
         </p:nvSpPr>
-        <p:spPr/>
+        <p:spPr>
+          <a:xfrm>
+            <a:off x="457200" y="274638"/>
+            <a:ext cx="8229600" cy="1143000"/>
+          </a:xfrm>
+          <a:prstGeom prst="rect">
+            <a:avLst/>
+          </a:prstGeom>
+        </p:spPr>
         <p:txBody>
           <a:bodyPr/>
           <a:lstStyle>
@@ -1461,6 +1541,9 @@
             <a:off x="457200" y="1535113"/>
             <a:ext cx="4040188" cy="639762"/>
           </a:xfrm>
+          <a:prstGeom prst="rect">
+            <a:avLst/>
+          </a:prstGeom>
         </p:spPr>
         <p:txBody>
           <a:bodyPr anchor="b"/>
@@ -1526,6 +1609,9 @@
             <a:off x="457200" y="2174875"/>
             <a:ext cx="4040188" cy="3951288"/>
           </a:xfrm>
+          <a:prstGeom prst="rect">
+            <a:avLst/>
+          </a:prstGeom>
         </p:spPr>
         <p:txBody>
           <a:bodyPr/>
@@ -1611,6 +1697,9 @@
             <a:off x="4645025" y="1535113"/>
             <a:ext cx="4041775" cy="639762"/>
           </a:xfrm>
+          <a:prstGeom prst="rect">
+            <a:avLst/>
+          </a:prstGeom>
         </p:spPr>
         <p:txBody>
           <a:bodyPr anchor="b"/>
@@ -1676,6 +1765,9 @@
             <a:off x="4645025" y="2174875"/>
             <a:ext cx="4041775" cy="3951288"/>
           </a:xfrm>
+          <a:prstGeom prst="rect">
+            <a:avLst/>
+          </a:prstGeom>
         </p:spPr>
         <p:txBody>
           <a:bodyPr/>
@@ -1763,7 +1855,7 @@
           <a:p>
             <a:fld id="{AA309A6D-C09C-4548-B29A-6CF363A7E532}" type="datetimeFigureOut">
               <a:rPr lang="fr-FR" smtClean="0"/>
-              <a:t>06/07/2015</a:t>
+              <a:t>07/07/2015</a:t>
             </a:fld>
             <a:endParaRPr lang="fr-BE"/>
           </a:p>
@@ -1846,7 +1938,15 @@
             <p:ph type="title"/>
           </p:nvPr>
         </p:nvSpPr>
-        <p:spPr/>
+        <p:spPr>
+          <a:xfrm>
+            <a:off x="457200" y="274638"/>
+            <a:ext cx="8229600" cy="1143000"/>
+          </a:xfrm>
+          <a:prstGeom prst="rect">
+            <a:avLst/>
+          </a:prstGeom>
+        </p:spPr>
         <p:txBody>
           <a:bodyPr/>
           <a:lstStyle/>
@@ -1876,7 +1976,7 @@
           <a:p>
             <a:fld id="{AA309A6D-C09C-4548-B29A-6CF363A7E532}" type="datetimeFigureOut">
               <a:rPr lang="fr-FR" smtClean="0"/>
-              <a:t>06/07/2015</a:t>
+              <a:t>07/07/2015</a:t>
             </a:fld>
             <a:endParaRPr lang="fr-BE"/>
           </a:p>
@@ -1966,7 +2066,7 @@
           <a:p>
             <a:fld id="{AA309A6D-C09C-4548-B29A-6CF363A7E532}" type="datetimeFigureOut">
               <a:rPr lang="fr-FR" smtClean="0"/>
-              <a:t>06/07/2015</a:t>
+              <a:t>07/07/2015</a:t>
             </a:fld>
             <a:endParaRPr lang="fr-BE"/>
           </a:p>
@@ -2054,6 +2154,9 @@
             <a:off x="457200" y="273050"/>
             <a:ext cx="3008313" cy="1162050"/>
           </a:xfrm>
+          <a:prstGeom prst="rect">
+            <a:avLst/>
+          </a:prstGeom>
         </p:spPr>
         <p:txBody>
           <a:bodyPr anchor="b"/>
@@ -2086,6 +2189,9 @@
             <a:off x="3575050" y="273050"/>
             <a:ext cx="5111750" cy="5853113"/>
           </a:xfrm>
+          <a:prstGeom prst="rect">
+            <a:avLst/>
+          </a:prstGeom>
         </p:spPr>
         <p:txBody>
           <a:bodyPr/>
@@ -2171,6 +2277,9 @@
             <a:off x="457200" y="1435100"/>
             <a:ext cx="3008313" cy="4691063"/>
           </a:xfrm>
+          <a:prstGeom prst="rect">
+            <a:avLst/>
+          </a:prstGeom>
         </p:spPr>
         <p:txBody>
           <a:bodyPr/>
@@ -2238,7 +2347,7 @@
           <a:p>
             <a:fld id="{AA309A6D-C09C-4548-B29A-6CF363A7E532}" type="datetimeFigureOut">
               <a:rPr lang="fr-FR" smtClean="0"/>
-              <a:t>06/07/2015</a:t>
+              <a:t>07/07/2015</a:t>
             </a:fld>
             <a:endParaRPr lang="fr-BE"/>
           </a:p>
@@ -2326,6 +2435,9 @@
             <a:off x="1792288" y="4800600"/>
             <a:ext cx="5486400" cy="566738"/>
           </a:xfrm>
+          <a:prstGeom prst="rect">
+            <a:avLst/>
+          </a:prstGeom>
         </p:spPr>
         <p:txBody>
           <a:bodyPr anchor="b"/>
@@ -2358,6 +2470,9 @@
             <a:off x="1792288" y="612775"/>
             <a:ext cx="5486400" cy="4114800"/>
           </a:xfrm>
+          <a:prstGeom prst="rect">
+            <a:avLst/>
+          </a:prstGeom>
         </p:spPr>
         <p:txBody>
           <a:bodyPr/>
@@ -2419,6 +2534,9 @@
             <a:off x="1792288" y="5367338"/>
             <a:ext cx="5486400" cy="804862"/>
           </a:xfrm>
+          <a:prstGeom prst="rect">
+            <a:avLst/>
+          </a:prstGeom>
         </p:spPr>
         <p:txBody>
           <a:bodyPr/>
@@ -2486,7 +2604,7 @@
           <a:p>
             <a:fld id="{AA309A6D-C09C-4548-B29A-6CF363A7E532}" type="datetimeFigureOut">
               <a:rPr lang="fr-FR" smtClean="0"/>
-              <a:t>06/07/2015</a:t>
+              <a:t>07/07/2015</a:t>
             </a:fld>
             <a:endParaRPr lang="fr-BE"/>
           </a:p>
@@ -2566,101 +2684,6 @@
       </p:grpSpPr>
       <p:sp>
         <p:nvSpPr>
-          <p:cNvPr id="2" name="Espace réservé du titre 1"/>
-          <p:cNvSpPr>
-            <a:spLocks noGrp="1"/>
-          </p:cNvSpPr>
-          <p:nvPr>
-            <p:ph type="title"/>
-          </p:nvPr>
-        </p:nvSpPr>
-        <p:spPr>
-          <a:xfrm>
-            <a:off x="457200" y="274638"/>
-            <a:ext cx="8229600" cy="1143000"/>
-          </a:xfrm>
-          <a:prstGeom prst="rect">
-            <a:avLst/>
-          </a:prstGeom>
-        </p:spPr>
-        <p:txBody>
-          <a:bodyPr vert="horz" lIns="91440" tIns="45720" rIns="91440" bIns="45720" rtlCol="0" anchor="ctr">
-            <a:normAutofit/>
-          </a:bodyPr>
-          <a:lstStyle/>
-          <a:p>
-            <a:r>
-              <a:rPr lang="fr-FR" dirty="0" smtClean="0"/>
-              <a:t>Cliquez pour modifier le style du titre</a:t>
-            </a:r>
-            <a:endParaRPr lang="fr-BE" dirty="0"/>
-          </a:p>
-        </p:txBody>
-      </p:sp>
-      <p:sp>
-        <p:nvSpPr>
-          <p:cNvPr id="3" name="Espace réservé du texte 2"/>
-          <p:cNvSpPr>
-            <a:spLocks noGrp="1"/>
-          </p:cNvSpPr>
-          <p:nvPr>
-            <p:ph type="body" idx="1"/>
-          </p:nvPr>
-        </p:nvSpPr>
-        <p:spPr>
-          <a:xfrm>
-            <a:off x="457200" y="1600200"/>
-            <a:ext cx="8229600" cy="4525963"/>
-          </a:xfrm>
-          <a:prstGeom prst="rect">
-            <a:avLst/>
-          </a:prstGeom>
-        </p:spPr>
-        <p:txBody>
-          <a:bodyPr vert="horz" lIns="91440" tIns="45720" rIns="91440" bIns="45720" rtlCol="0">
-            <a:normAutofit/>
-          </a:bodyPr>
-          <a:lstStyle/>
-          <a:p>
-            <a:pPr lvl="0"/>
-            <a:r>
-              <a:rPr lang="fr-FR" dirty="0" smtClean="0"/>
-              <a:t>Cliquez pour modifier les styles du texte du masque</a:t>
-            </a:r>
-          </a:p>
-          <a:p>
-            <a:pPr lvl="1"/>
-            <a:r>
-              <a:rPr lang="fr-FR" dirty="0" smtClean="0"/>
-              <a:t>Deuxième niveau</a:t>
-            </a:r>
-          </a:p>
-          <a:p>
-            <a:pPr lvl="2"/>
-            <a:r>
-              <a:rPr lang="fr-FR" dirty="0" smtClean="0"/>
-              <a:t>Troisième niveau</a:t>
-            </a:r>
-          </a:p>
-          <a:p>
-            <a:pPr lvl="3"/>
-            <a:r>
-              <a:rPr lang="fr-FR" dirty="0" smtClean="0"/>
-              <a:t>Quatrième niveau</a:t>
-            </a:r>
-          </a:p>
-          <a:p>
-            <a:pPr lvl="4"/>
-            <a:r>
-              <a:rPr lang="fr-FR" dirty="0" smtClean="0"/>
-              <a:t>Cinquième niveau</a:t>
-            </a:r>
-            <a:endParaRPr lang="fr-BE" dirty="0"/>
-          </a:p>
-        </p:txBody>
-      </p:sp>
-      <p:sp>
-        <p:nvSpPr>
           <p:cNvPr id="4" name="Espace réservé de la date 3"/>
           <p:cNvSpPr>
             <a:spLocks noGrp="1"/>
@@ -2694,7 +2717,7 @@
           <a:p>
             <a:fld id="{AA309A6D-C09C-4548-B29A-6CF363A7E532}" type="datetimeFigureOut">
               <a:rPr lang="fr-FR" smtClean="0"/>
-              <a:t>06/07/2015</a:t>
+              <a:t>07/07/2015</a:t>
             </a:fld>
             <a:endParaRPr lang="fr-BE"/>
           </a:p>
@@ -2780,7 +2803,7 @@
       </p:sp>
       <p:pic>
         <p:nvPicPr>
-          <p:cNvPr id="1026" name="Picture 2" descr="C:\Dossier Magik\Projet\Battle\_src\Images\forest_grass.png"/>
+          <p:cNvPr id="7" name="Picture 2" descr="E:\Dossier Magique\Projets\OpenSticky\OpenSticky\DOC\PPT\src\bg.png"/>
           <p:cNvPicPr>
             <a:picLocks noChangeAspect="1" noChangeArrowheads="1"/>
           </p:cNvPicPr>
@@ -2789,6 +2812,15 @@
         <p:blipFill>
           <a:blip r:embed="rId13">
             <a:extLst>
+              <a:ext uri="{BEBA8EAE-BF5A-486C-A8C5-ECC9F3942E4B}">
+                <a14:imgProps xmlns:a14="http://schemas.microsoft.com/office/drawing/2010/main">
+                  <a14:imgLayer r:embed="rId14">
+                    <a14:imgEffect>
+                      <a14:brightnessContrast bright="-43000" contrast="22000"/>
+                    </a14:imgEffect>
+                  </a14:imgLayer>
+                </a14:imgProps>
+              </a:ext>
               <a:ext uri="{28A0092B-C50C-407E-A947-70E740481C1C}">
                 <a14:useLocalDpi xmlns:a14="http://schemas.microsoft.com/office/drawing/2010/main" val="0"/>
               </a:ext>
@@ -2801,218 +2833,18 @@
         </p:blipFill>
         <p:spPr bwMode="auto">
           <a:xfrm>
-            <a:off x="-36512" y="0"/>
-            <a:ext cx="3121025" cy="3121025"/>
+            <a:off x="-396552" y="0"/>
+            <a:ext cx="10010775" cy="5667375"/>
           </a:xfrm>
           <a:prstGeom prst="rect">
             <a:avLst/>
           </a:prstGeom>
           <a:noFill/>
-          <a:extLst>
-            <a:ext uri="{909E8E84-426E-40DD-AFC4-6F175D3DCCD1}">
-              <a14:hiddenFill xmlns:a14="http://schemas.microsoft.com/office/drawing/2010/main">
-                <a:solidFill>
-                  <a:srgbClr val="FFFFFF"/>
-                </a:solidFill>
-              </a14:hiddenFill>
-            </a:ext>
-          </a:extLst>
-        </p:spPr>
-      </p:pic>
-      <p:pic>
-        <p:nvPicPr>
-          <p:cNvPr id="8" name="Picture 2" descr="C:\Dossier Magik\Projet\Battle\_src\Images\forest_grass.png"/>
-          <p:cNvPicPr>
-            <a:picLocks noChangeAspect="1" noChangeArrowheads="1"/>
-          </p:cNvPicPr>
-          <p:nvPr userDrawn="1"/>
-        </p:nvPicPr>
-        <p:blipFill>
-          <a:blip r:embed="rId13">
-            <a:extLst>
-              <a:ext uri="{28A0092B-C50C-407E-A947-70E740481C1C}">
-                <a14:useLocalDpi xmlns:a14="http://schemas.microsoft.com/office/drawing/2010/main" val="0"/>
-              </a:ext>
-            </a:extLst>
-          </a:blip>
-          <a:srcRect/>
-          <a:stretch>
-            <a:fillRect/>
-          </a:stretch>
-        </p:blipFill>
-        <p:spPr bwMode="auto">
-          <a:xfrm>
-            <a:off x="3084513" y="-1"/>
-            <a:ext cx="3121025" cy="3121025"/>
-          </a:xfrm>
-          <a:prstGeom prst="rect">
-            <a:avLst/>
-          </a:prstGeom>
-          <a:noFill/>
-          <a:extLst>
-            <a:ext uri="{909E8E84-426E-40DD-AFC4-6F175D3DCCD1}">
-              <a14:hiddenFill xmlns:a14="http://schemas.microsoft.com/office/drawing/2010/main">
-                <a:solidFill>
-                  <a:srgbClr val="FFFFFF"/>
-                </a:solidFill>
-              </a14:hiddenFill>
-            </a:ext>
-          </a:extLst>
-        </p:spPr>
-      </p:pic>
-      <p:pic>
-        <p:nvPicPr>
-          <p:cNvPr id="9" name="Picture 2" descr="C:\Dossier Magik\Projet\Battle\_src\Images\forest_grass.png"/>
-          <p:cNvPicPr>
-            <a:picLocks noChangeAspect="1" noChangeArrowheads="1"/>
-          </p:cNvPicPr>
-          <p:nvPr userDrawn="1"/>
-        </p:nvPicPr>
-        <p:blipFill>
-          <a:blip r:embed="rId13">
-            <a:extLst>
-              <a:ext uri="{28A0092B-C50C-407E-A947-70E740481C1C}">
-                <a14:useLocalDpi xmlns:a14="http://schemas.microsoft.com/office/drawing/2010/main" val="0"/>
-              </a:ext>
-            </a:extLst>
-          </a:blip>
-          <a:srcRect/>
-          <a:stretch>
-            <a:fillRect/>
-          </a:stretch>
-        </p:blipFill>
-        <p:spPr bwMode="auto">
-          <a:xfrm>
-            <a:off x="6205538" y="-2"/>
-            <a:ext cx="3121025" cy="3121025"/>
-          </a:xfrm>
-          <a:prstGeom prst="rect">
-            <a:avLst/>
-          </a:prstGeom>
-          <a:noFill/>
-          <a:extLst>
-            <a:ext uri="{909E8E84-426E-40DD-AFC4-6F175D3DCCD1}">
-              <a14:hiddenFill xmlns:a14="http://schemas.microsoft.com/office/drawing/2010/main">
-                <a:solidFill>
-                  <a:srgbClr val="FFFFFF"/>
-                </a:solidFill>
-              </a14:hiddenFill>
-            </a:ext>
-          </a:extLst>
-        </p:spPr>
-      </p:pic>
-      <p:pic>
-        <p:nvPicPr>
-          <p:cNvPr id="10" name="Picture 2" descr="C:\Dossier Magik\Projet\Battle\_src\Images\forest_grass.png"/>
-          <p:cNvPicPr>
-            <a:picLocks noChangeAspect="1" noChangeArrowheads="1"/>
-          </p:cNvPicPr>
-          <p:nvPr userDrawn="1"/>
-        </p:nvPicPr>
-        <p:blipFill>
-          <a:blip r:embed="rId13">
-            <a:extLst>
-              <a:ext uri="{28A0092B-C50C-407E-A947-70E740481C1C}">
-                <a14:useLocalDpi xmlns:a14="http://schemas.microsoft.com/office/drawing/2010/main" val="0"/>
-              </a:ext>
-            </a:extLst>
-          </a:blip>
-          <a:srcRect/>
-          <a:stretch>
-            <a:fillRect/>
-          </a:stretch>
-        </p:blipFill>
-        <p:spPr bwMode="auto">
-          <a:xfrm>
-            <a:off x="-36512" y="3121026"/>
-            <a:ext cx="3121025" cy="3121025"/>
-          </a:xfrm>
-          <a:prstGeom prst="rect">
-            <a:avLst/>
-          </a:prstGeom>
-          <a:noFill/>
-          <a:extLst>
-            <a:ext uri="{909E8E84-426E-40DD-AFC4-6F175D3DCCD1}">
-              <a14:hiddenFill xmlns:a14="http://schemas.microsoft.com/office/drawing/2010/main">
-                <a:solidFill>
-                  <a:srgbClr val="FFFFFF"/>
-                </a:solidFill>
-              </a14:hiddenFill>
-            </a:ext>
-          </a:extLst>
-        </p:spPr>
-      </p:pic>
-      <p:pic>
-        <p:nvPicPr>
-          <p:cNvPr id="11" name="Picture 2" descr="C:\Dossier Magik\Projet\Battle\_src\Images\forest_grass.png"/>
-          <p:cNvPicPr>
-            <a:picLocks noChangeAspect="1" noChangeArrowheads="1"/>
-          </p:cNvPicPr>
-          <p:nvPr userDrawn="1"/>
-        </p:nvPicPr>
-        <p:blipFill>
-          <a:blip r:embed="rId13">
-            <a:extLst>
-              <a:ext uri="{28A0092B-C50C-407E-A947-70E740481C1C}">
-                <a14:useLocalDpi xmlns:a14="http://schemas.microsoft.com/office/drawing/2010/main" val="0"/>
-              </a:ext>
-            </a:extLst>
-          </a:blip>
-          <a:srcRect/>
-          <a:stretch>
-            <a:fillRect/>
-          </a:stretch>
-        </p:blipFill>
-        <p:spPr bwMode="auto">
-          <a:xfrm>
-            <a:off x="3084513" y="3121025"/>
-            <a:ext cx="3121025" cy="3121025"/>
-          </a:xfrm>
-          <a:prstGeom prst="rect">
-            <a:avLst/>
-          </a:prstGeom>
-          <a:noFill/>
-          <a:extLst>
-            <a:ext uri="{909E8E84-426E-40DD-AFC4-6F175D3DCCD1}">
-              <a14:hiddenFill xmlns:a14="http://schemas.microsoft.com/office/drawing/2010/main">
-                <a:solidFill>
-                  <a:srgbClr val="FFFFFF"/>
-                </a:solidFill>
-              </a14:hiddenFill>
-            </a:ext>
-          </a:extLst>
-        </p:spPr>
-      </p:pic>
-      <p:pic>
-        <p:nvPicPr>
-          <p:cNvPr id="12" name="Picture 2" descr="C:\Dossier Magik\Projet\Battle\_src\Images\forest_grass.png"/>
-          <p:cNvPicPr>
-            <a:picLocks noChangeAspect="1" noChangeArrowheads="1"/>
-          </p:cNvPicPr>
-          <p:nvPr userDrawn="1"/>
-        </p:nvPicPr>
-        <p:blipFill>
-          <a:blip r:embed="rId13">
-            <a:extLst>
-              <a:ext uri="{28A0092B-C50C-407E-A947-70E740481C1C}">
-                <a14:useLocalDpi xmlns:a14="http://schemas.microsoft.com/office/drawing/2010/main" val="0"/>
-              </a:ext>
-            </a:extLst>
-          </a:blip>
-          <a:srcRect/>
-          <a:stretch>
-            <a:fillRect/>
-          </a:stretch>
-        </p:blipFill>
-        <p:spPr bwMode="auto">
-          <a:xfrm>
-            <a:off x="6205538" y="3121024"/>
-            <a:ext cx="3121025" cy="3121025"/>
-          </a:xfrm>
-          <a:prstGeom prst="rect">
-            <a:avLst/>
-          </a:prstGeom>
-          <a:noFill/>
+          <a:effectLst>
+            <a:glow>
+              <a:schemeClr val="accent1"/>
+            </a:glow>
+          </a:effectLst>
           <a:extLst>
             <a:ext uri="{909E8E84-426E-40DD-AFC4-6F175D3DCCD1}">
               <a14:hiddenFill xmlns:a14="http://schemas.microsoft.com/office/drawing/2010/main">
@@ -3388,7 +3220,7 @@
               <a:rPr lang="fr-FR" dirty="0" smtClean="0">
                 <a:latin typeface="Gill Sans MT" pitchFamily="34" charset="0"/>
               </a:rPr>
-              <a:t>Loquai</a:t>
+              <a:t>Loquet</a:t>
             </a:r>
             <a:endParaRPr lang="fr-FR" dirty="0" smtClean="0">
               <a:latin typeface="Gill Sans MT" pitchFamily="34" charset="0"/>
@@ -3467,6 +3299,381 @@
     <p:extLst>
       <p:ext uri="{BB962C8B-B14F-4D97-AF65-F5344CB8AC3E}">
         <p14:creationId xmlns:p14="http://schemas.microsoft.com/office/powerpoint/2010/main" val="2820781720"/>
+      </p:ext>
+    </p:extLst>
+  </p:cSld>
+  <p:clrMapOvr>
+    <a:masterClrMapping/>
+  </p:clrMapOvr>
+  <mc:AlternateContent xmlns:mc="http://schemas.openxmlformats.org/markup-compatibility/2006">
+    <mc:Choice xmlns:p14="http://schemas.microsoft.com/office/powerpoint/2010/main" Requires="p14">
+      <p:transition spd="slow" p14:dur="2000"/>
+    </mc:Choice>
+    <mc:Fallback>
+      <p:transition spd="slow"/>
+    </mc:Fallback>
+  </mc:AlternateContent>
+  <p:timing>
+    <p:tnLst>
+      <p:par>
+        <p:cTn id="1" dur="indefinite" restart="never" nodeType="tmRoot"/>
+      </p:par>
+    </p:tnLst>
+  </p:timing>
+</p:sld>
+</file>
+
+<file path=ppt/slides/slide10.xml><?xml version="1.0" encoding="utf-8"?>
+<p:sld xmlns:a="http://schemas.openxmlformats.org/drawingml/2006/main" xmlns:r="http://schemas.openxmlformats.org/officeDocument/2006/relationships" xmlns:p="http://schemas.openxmlformats.org/presentationml/2006/main">
+  <p:cSld>
+    <p:spTree>
+      <p:nvGrpSpPr>
+        <p:cNvPr id="1" name=""/>
+        <p:cNvGrpSpPr/>
+        <p:nvPr/>
+      </p:nvGrpSpPr>
+      <p:grpSpPr>
+        <a:xfrm>
+          <a:off x="0" y="0"/>
+          <a:ext cx="0" cy="0"/>
+          <a:chOff x="0" y="0"/>
+          <a:chExt cx="0" cy="0"/>
+        </a:xfrm>
+      </p:grpSpPr>
+      <p:sp>
+        <p:nvSpPr>
+          <p:cNvPr id="5" name="Titre 1"/>
+          <p:cNvSpPr txBox="1">
+            <a:spLocks/>
+          </p:cNvSpPr>
+          <p:nvPr/>
+        </p:nvSpPr>
+        <p:spPr>
+          <a:xfrm>
+            <a:off x="683568" y="260648"/>
+            <a:ext cx="7772400" cy="1470025"/>
+          </a:xfrm>
+          <a:prstGeom prst="rect">
+            <a:avLst/>
+          </a:prstGeom>
+        </p:spPr>
+        <p:txBody>
+          <a:bodyPr vert="horz" lIns="91440" tIns="45720" rIns="91440" bIns="45720" rtlCol="0" anchor="ctr">
+            <a:normAutofit/>
+          </a:bodyPr>
+          <a:lstStyle>
+            <a:lvl1pPr algn="ctr" defTabSz="914400" rtl="0" eaLnBrk="1" latinLnBrk="0" hangingPunct="1">
+              <a:spcBef>
+                <a:spcPct val="0"/>
+              </a:spcBef>
+              <a:buNone/>
+              <a:defRPr sz="4400" kern="1200">
+                <a:solidFill>
+                  <a:schemeClr val="tx1"/>
+                </a:solidFill>
+                <a:latin typeface="+mj-lt"/>
+                <a:ea typeface="+mj-ea"/>
+                <a:cs typeface="+mj-cs"/>
+              </a:defRPr>
+            </a:lvl1pPr>
+          </a:lstStyle>
+          <a:p>
+            <a:r>
+              <a:rPr lang="fr-FR" dirty="0" smtClean="0">
+                <a:latin typeface="Bauhaus 93" pitchFamily="82" charset="0"/>
+              </a:rPr>
+              <a:t>Génétique</a:t>
+            </a:r>
+            <a:endParaRPr lang="fr-FR" dirty="0">
+              <a:latin typeface="Bauhaus 93" pitchFamily="82" charset="0"/>
+            </a:endParaRPr>
+          </a:p>
+        </p:txBody>
+      </p:sp>
+      <p:sp>
+        <p:nvSpPr>
+          <p:cNvPr id="6" name="Sous-titre 2"/>
+          <p:cNvSpPr txBox="1">
+            <a:spLocks/>
+          </p:cNvSpPr>
+          <p:nvPr/>
+        </p:nvSpPr>
+        <p:spPr>
+          <a:xfrm>
+            <a:off x="172282" y="1730673"/>
+            <a:ext cx="9144000" cy="5370735"/>
+          </a:xfrm>
+          <a:prstGeom prst="rect">
+            <a:avLst/>
+          </a:prstGeom>
+        </p:spPr>
+        <p:txBody>
+          <a:bodyPr vert="horz" lIns="91440" tIns="45720" rIns="91440" bIns="45720" rtlCol="0">
+            <a:normAutofit lnSpcReduction="10000"/>
+          </a:bodyPr>
+          <a:lstStyle>
+            <a:lvl1pPr marL="342900" indent="-342900" algn="l" defTabSz="914400" rtl="0" eaLnBrk="1" latinLnBrk="0" hangingPunct="1">
+              <a:spcBef>
+                <a:spcPct val="20000"/>
+              </a:spcBef>
+              <a:buFont typeface="Arial" pitchFamily="34" charset="0"/>
+              <a:buChar char="•"/>
+              <a:defRPr sz="3200" kern="1200">
+                <a:solidFill>
+                  <a:schemeClr val="tx1"/>
+                </a:solidFill>
+                <a:latin typeface="+mn-lt"/>
+                <a:ea typeface="+mn-ea"/>
+                <a:cs typeface="+mn-cs"/>
+              </a:defRPr>
+            </a:lvl1pPr>
+            <a:lvl2pPr marL="742950" indent="-285750" algn="l" defTabSz="914400" rtl="0" eaLnBrk="1" latinLnBrk="0" hangingPunct="1">
+              <a:spcBef>
+                <a:spcPct val="20000"/>
+              </a:spcBef>
+              <a:buFont typeface="Arial" pitchFamily="34" charset="0"/>
+              <a:buChar char="–"/>
+              <a:defRPr sz="2800" kern="1200">
+                <a:solidFill>
+                  <a:schemeClr val="tx1"/>
+                </a:solidFill>
+                <a:latin typeface="+mn-lt"/>
+                <a:ea typeface="+mn-ea"/>
+                <a:cs typeface="+mn-cs"/>
+              </a:defRPr>
+            </a:lvl2pPr>
+            <a:lvl3pPr marL="1143000" indent="-228600" algn="l" defTabSz="914400" rtl="0" eaLnBrk="1" latinLnBrk="0" hangingPunct="1">
+              <a:spcBef>
+                <a:spcPct val="20000"/>
+              </a:spcBef>
+              <a:buFont typeface="Arial" pitchFamily="34" charset="0"/>
+              <a:buChar char="•"/>
+              <a:defRPr sz="2400" kern="1200">
+                <a:solidFill>
+                  <a:schemeClr val="tx1"/>
+                </a:solidFill>
+                <a:latin typeface="+mn-lt"/>
+                <a:ea typeface="+mn-ea"/>
+                <a:cs typeface="+mn-cs"/>
+              </a:defRPr>
+            </a:lvl3pPr>
+            <a:lvl4pPr marL="1600200" indent="-228600" algn="l" defTabSz="914400" rtl="0" eaLnBrk="1" latinLnBrk="0" hangingPunct="1">
+              <a:spcBef>
+                <a:spcPct val="20000"/>
+              </a:spcBef>
+              <a:buFont typeface="Arial" pitchFamily="34" charset="0"/>
+              <a:buChar char="–"/>
+              <a:defRPr sz="2000" kern="1200">
+                <a:solidFill>
+                  <a:schemeClr val="tx1"/>
+                </a:solidFill>
+                <a:latin typeface="+mn-lt"/>
+                <a:ea typeface="+mn-ea"/>
+                <a:cs typeface="+mn-cs"/>
+              </a:defRPr>
+            </a:lvl4pPr>
+            <a:lvl5pPr marL="2057400" indent="-228600" algn="l" defTabSz="914400" rtl="0" eaLnBrk="1" latinLnBrk="0" hangingPunct="1">
+              <a:spcBef>
+                <a:spcPct val="20000"/>
+              </a:spcBef>
+              <a:buFont typeface="Arial" pitchFamily="34" charset="0"/>
+              <a:buChar char="»"/>
+              <a:defRPr sz="2000" kern="1200">
+                <a:solidFill>
+                  <a:schemeClr val="tx1"/>
+                </a:solidFill>
+                <a:latin typeface="+mn-lt"/>
+                <a:ea typeface="+mn-ea"/>
+                <a:cs typeface="+mn-cs"/>
+              </a:defRPr>
+            </a:lvl5pPr>
+            <a:lvl6pPr marL="2514600" indent="-228600" algn="l" defTabSz="914400" rtl="0" eaLnBrk="1" latinLnBrk="0" hangingPunct="1">
+              <a:spcBef>
+                <a:spcPct val="20000"/>
+              </a:spcBef>
+              <a:buFont typeface="Arial" pitchFamily="34" charset="0"/>
+              <a:buChar char="•"/>
+              <a:defRPr sz="2000" kern="1200">
+                <a:solidFill>
+                  <a:schemeClr val="tx1"/>
+                </a:solidFill>
+                <a:latin typeface="+mn-lt"/>
+                <a:ea typeface="+mn-ea"/>
+                <a:cs typeface="+mn-cs"/>
+              </a:defRPr>
+            </a:lvl6pPr>
+            <a:lvl7pPr marL="2971800" indent="-228600" algn="l" defTabSz="914400" rtl="0" eaLnBrk="1" latinLnBrk="0" hangingPunct="1">
+              <a:spcBef>
+                <a:spcPct val="20000"/>
+              </a:spcBef>
+              <a:buFont typeface="Arial" pitchFamily="34" charset="0"/>
+              <a:buChar char="•"/>
+              <a:defRPr sz="2000" kern="1200">
+                <a:solidFill>
+                  <a:schemeClr val="tx1"/>
+                </a:solidFill>
+                <a:latin typeface="+mn-lt"/>
+                <a:ea typeface="+mn-ea"/>
+                <a:cs typeface="+mn-cs"/>
+              </a:defRPr>
+            </a:lvl7pPr>
+            <a:lvl8pPr marL="3429000" indent="-228600" algn="l" defTabSz="914400" rtl="0" eaLnBrk="1" latinLnBrk="0" hangingPunct="1">
+              <a:spcBef>
+                <a:spcPct val="20000"/>
+              </a:spcBef>
+              <a:buFont typeface="Arial" pitchFamily="34" charset="0"/>
+              <a:buChar char="•"/>
+              <a:defRPr sz="2000" kern="1200">
+                <a:solidFill>
+                  <a:schemeClr val="tx1"/>
+                </a:solidFill>
+                <a:latin typeface="+mn-lt"/>
+                <a:ea typeface="+mn-ea"/>
+                <a:cs typeface="+mn-cs"/>
+              </a:defRPr>
+            </a:lvl8pPr>
+            <a:lvl9pPr marL="3886200" indent="-228600" algn="l" defTabSz="914400" rtl="0" eaLnBrk="1" latinLnBrk="0" hangingPunct="1">
+              <a:spcBef>
+                <a:spcPct val="20000"/>
+              </a:spcBef>
+              <a:buFont typeface="Arial" pitchFamily="34" charset="0"/>
+              <a:buChar char="•"/>
+              <a:defRPr sz="2000" kern="1200">
+                <a:solidFill>
+                  <a:schemeClr val="tx1"/>
+                </a:solidFill>
+                <a:latin typeface="+mn-lt"/>
+                <a:ea typeface="+mn-ea"/>
+                <a:cs typeface="+mn-cs"/>
+              </a:defRPr>
+            </a:lvl9pPr>
+          </a:lstStyle>
+          <a:p>
+            <a:r>
+              <a:rPr lang="fr-FR" dirty="0" smtClean="0">
+                <a:latin typeface="Gill Sans MT" pitchFamily="34" charset="0"/>
+              </a:rPr>
+              <a:t>Evaluation de la population</a:t>
+            </a:r>
+          </a:p>
+          <a:p>
+            <a:pPr lvl="1"/>
+            <a:r>
+              <a:rPr lang="fr-FR" dirty="0" smtClean="0">
+                <a:latin typeface="Gill Sans MT" pitchFamily="34" charset="0"/>
+              </a:rPr>
+              <a:t>Trop</a:t>
+            </a:r>
+          </a:p>
+          <a:p>
+            <a:pPr lvl="2"/>
+            <a:r>
+              <a:rPr lang="fr-FR" dirty="0" smtClean="0">
+                <a:latin typeface="Gill Sans MT" pitchFamily="34" charset="0"/>
+              </a:rPr>
+              <a:t>Beaucoup Trop</a:t>
+            </a:r>
+          </a:p>
+          <a:p>
+            <a:pPr lvl="3"/>
+            <a:r>
+              <a:rPr lang="fr-FR" dirty="0" smtClean="0">
+                <a:latin typeface="Gill Sans MT" pitchFamily="34" charset="0"/>
+              </a:rPr>
+              <a:t>On supprime</a:t>
+            </a:r>
+          </a:p>
+          <a:p>
+            <a:pPr lvl="2"/>
+            <a:r>
+              <a:rPr lang="fr-FR" dirty="0" smtClean="0">
+                <a:latin typeface="Gill Sans MT" pitchFamily="34" charset="0"/>
+              </a:rPr>
+              <a:t>On fait muter (perd un carré)</a:t>
+            </a:r>
+          </a:p>
+          <a:p>
+            <a:pPr lvl="1"/>
+            <a:r>
+              <a:rPr lang="fr-FR" dirty="0" smtClean="0">
+                <a:latin typeface="Gill Sans MT" pitchFamily="34" charset="0"/>
+              </a:rPr>
+              <a:t>Pas assez</a:t>
+            </a:r>
+          </a:p>
+          <a:p>
+            <a:pPr lvl="2"/>
+            <a:r>
+              <a:rPr lang="fr-FR" dirty="0" smtClean="0">
+                <a:latin typeface="Gill Sans MT" pitchFamily="34" charset="0"/>
+              </a:rPr>
+              <a:t>On croise</a:t>
+            </a:r>
+          </a:p>
+          <a:p>
+            <a:pPr lvl="2"/>
+            <a:r>
+              <a:rPr lang="fr-FR" dirty="0" smtClean="0">
+                <a:latin typeface="Gill Sans MT" pitchFamily="34" charset="0"/>
+              </a:rPr>
+              <a:t>On fait muter (gagne un carré)</a:t>
+            </a:r>
+          </a:p>
+          <a:p>
+            <a:pPr lvl="1"/>
+            <a:r>
+              <a:rPr lang="fr-FR" dirty="0" smtClean="0">
+                <a:latin typeface="Gill Sans MT" pitchFamily="34" charset="0"/>
+              </a:rPr>
+              <a:t>Stable</a:t>
+            </a:r>
+          </a:p>
+          <a:p>
+            <a:pPr lvl="2"/>
+            <a:r>
+              <a:rPr lang="fr-FR" dirty="0" smtClean="0">
+                <a:latin typeface="Gill Sans MT" pitchFamily="34" charset="0"/>
+              </a:rPr>
+              <a:t>On croise</a:t>
+            </a:r>
+          </a:p>
+          <a:p>
+            <a:pPr lvl="2"/>
+            <a:r>
+              <a:rPr lang="fr-FR" dirty="0" smtClean="0">
+                <a:latin typeface="Gill Sans MT" pitchFamily="34" charset="0"/>
+              </a:rPr>
+              <a:t>On fait muter</a:t>
+            </a:r>
+          </a:p>
+          <a:p>
+            <a:pPr lvl="2"/>
+            <a:r>
+              <a:rPr lang="fr-FR" dirty="0" smtClean="0">
+                <a:latin typeface="Gill Sans MT" pitchFamily="34" charset="0"/>
+              </a:rPr>
+              <a:t>On déplace</a:t>
+            </a:r>
+          </a:p>
+          <a:p>
+            <a:pPr marL="0" indent="0">
+              <a:buNone/>
+            </a:pPr>
+            <a:endParaRPr lang="fr-FR" dirty="0" smtClean="0">
+              <a:latin typeface="Gill Sans MT" pitchFamily="34" charset="0"/>
+            </a:endParaRPr>
+          </a:p>
+          <a:p>
+            <a:endParaRPr lang="fr-FR" dirty="0">
+              <a:latin typeface="Gill Sans MT" pitchFamily="34" charset="0"/>
+            </a:endParaRPr>
+          </a:p>
+        </p:txBody>
+      </p:sp>
+    </p:spTree>
+    <p:extLst>
+      <p:ext uri="{BB962C8B-B14F-4D97-AF65-F5344CB8AC3E}">
+        <p14:creationId xmlns:p14="http://schemas.microsoft.com/office/powerpoint/2010/main" val="3952169868"/>
       </p:ext>
     </p:extLst>
   </p:cSld>
@@ -3560,8 +3767,8 @@
         </p:nvSpPr>
         <p:spPr>
           <a:xfrm>
-            <a:off x="19882" y="1988840"/>
-            <a:ext cx="9144000" cy="4248472"/>
+            <a:off x="19882" y="1556793"/>
+            <a:ext cx="9144000" cy="4680520"/>
           </a:xfrm>
           <a:prstGeom prst="rect">
             <a:avLst/>
@@ -3721,10 +3928,22 @@
               <a:rPr lang="fr-FR" dirty="0" smtClean="0">
                 <a:latin typeface="Gill Sans MT" pitchFamily="34" charset="0"/>
               </a:rPr>
-              <a:t>Deux modes</a:t>
-            </a:r>
-          </a:p>
-          <a:p>
+              <a:t>Environnement</a:t>
+            </a:r>
+          </a:p>
+          <a:p>
+            <a:r>
+              <a:rPr lang="fr-FR" dirty="0" smtClean="0">
+                <a:latin typeface="Gill Sans MT" pitchFamily="34" charset="0"/>
+              </a:rPr>
+              <a:t>Version </a:t>
+            </a:r>
+            <a:r>
+              <a:rPr lang="fr-FR" dirty="0" err="1" smtClean="0">
+                <a:latin typeface="Gill Sans MT" pitchFamily="34" charset="0"/>
+              </a:rPr>
+              <a:t>Shader</a:t>
+            </a:r>
             <a:endParaRPr lang="fr-FR" dirty="0" smtClean="0">
               <a:latin typeface="Gill Sans MT" pitchFamily="34" charset="0"/>
             </a:endParaRPr>
@@ -3734,8 +3953,21 @@
               <a:rPr lang="fr-FR" dirty="0" smtClean="0">
                 <a:latin typeface="Gill Sans MT" pitchFamily="34" charset="0"/>
               </a:rPr>
-              <a:t>Pour la génétique</a:t>
-            </a:r>
+              <a:t>Version Génétique</a:t>
+            </a:r>
+            <a:endParaRPr lang="fr-FR" dirty="0" smtClean="0">
+              <a:latin typeface="Gill Sans MT" pitchFamily="34" charset="0"/>
+            </a:endParaRPr>
+          </a:p>
+          <a:p>
+            <a:endParaRPr lang="fr-FR" dirty="0" smtClean="0">
+              <a:latin typeface="Gill Sans MT" pitchFamily="34" charset="0"/>
+            </a:endParaRPr>
+          </a:p>
+          <a:p>
+            <a:endParaRPr lang="fr-FR" dirty="0" smtClean="0">
+              <a:latin typeface="Gill Sans MT" pitchFamily="34" charset="0"/>
+            </a:endParaRPr>
           </a:p>
           <a:p>
             <a:endParaRPr lang="fr-FR" dirty="0" smtClean="0">
@@ -3833,10 +4065,10 @@
           </a:lstStyle>
           <a:p>
             <a:r>
-              <a:rPr lang="fr-FR" dirty="0" smtClean="0">
+              <a:rPr lang="fr-FR" dirty="0">
                 <a:latin typeface="Bauhaus 93" pitchFamily="82" charset="0"/>
               </a:rPr>
-              <a:t>Le modèle 3D</a:t>
+              <a:t>Environnement</a:t>
             </a:r>
             <a:endParaRPr lang="fr-FR" dirty="0">
               <a:latin typeface="Bauhaus 93" pitchFamily="82" charset="0"/>
@@ -3844,47 +4076,6 @@
           </a:p>
         </p:txBody>
       </p:sp>
-      <p:pic>
-        <p:nvPicPr>
-          <p:cNvPr id="2050" name="Picture 2" descr="C:\Dossier Magik\Projet\Battle\_src\PPT\src\golem_solo.png"/>
-          <p:cNvPicPr>
-            <a:picLocks noChangeAspect="1" noChangeArrowheads="1"/>
-          </p:cNvPicPr>
-          <p:nvPr/>
-        </p:nvPicPr>
-        <p:blipFill>
-          <a:blip r:embed="rId2">
-            <a:extLst>
-              <a:ext uri="{28A0092B-C50C-407E-A947-70E740481C1C}">
-                <a14:useLocalDpi xmlns:a14="http://schemas.microsoft.com/office/drawing/2010/main" val="0"/>
-              </a:ext>
-            </a:extLst>
-          </a:blip>
-          <a:srcRect/>
-          <a:stretch>
-            <a:fillRect/>
-          </a:stretch>
-        </p:blipFill>
-        <p:spPr bwMode="auto">
-          <a:xfrm>
-            <a:off x="1639554" y="1412776"/>
-            <a:ext cx="5904656" cy="3829080"/>
-          </a:xfrm>
-          <a:prstGeom prst="rect">
-            <a:avLst/>
-          </a:prstGeom>
-          <a:noFill/>
-          <a:extLst>
-            <a:ext uri="{909E8E84-426E-40DD-AFC4-6F175D3DCCD1}">
-              <a14:hiddenFill xmlns:a14="http://schemas.microsoft.com/office/drawing/2010/main">
-                <a:solidFill>
-                  <a:srgbClr val="FFFFFF"/>
-                </a:solidFill>
-              </a14:hiddenFill>
-            </a:ext>
-          </a:extLst>
-        </p:spPr>
-      </p:pic>
       <p:sp>
         <p:nvSpPr>
           <p:cNvPr id="6" name="Sous-titre 2"/>
@@ -4045,27 +4236,42 @@
           </a:lstStyle>
           <a:p>
             <a:r>
+              <a:rPr lang="fr-FR" dirty="0" err="1" smtClean="0">
+                <a:latin typeface="Gill Sans MT" pitchFamily="34" charset="0"/>
+              </a:rPr>
+              <a:t>WebGL</a:t>
+            </a:r>
+            <a:r>
               <a:rPr lang="fr-FR" dirty="0" smtClean="0">
                 <a:latin typeface="Gill Sans MT" pitchFamily="34" charset="0"/>
               </a:rPr>
-              <a:t>3000+ </a:t>
-            </a:r>
+              <a:t>  - </a:t>
+            </a:r>
+            <a:r>
+              <a:rPr lang="fr-FR" i="1" dirty="0" smtClean="0">
+                <a:latin typeface="Gill Sans MT" pitchFamily="34" charset="0"/>
+              </a:rPr>
+              <a:t>Techno</a:t>
+            </a:r>
+          </a:p>
+          <a:p>
             <a:r>
               <a:rPr lang="fr-FR" dirty="0" err="1" smtClean="0">
                 <a:latin typeface="Gill Sans MT" pitchFamily="34" charset="0"/>
               </a:rPr>
-              <a:t>Vertices</a:t>
-            </a:r>
-            <a:endParaRPr lang="fr-FR" dirty="0" smtClean="0">
-              <a:latin typeface="Gill Sans MT" pitchFamily="34" charset="0"/>
-            </a:endParaRPr>
-          </a:p>
-          <a:p>
+              <a:t>FireFox</a:t>
+            </a:r>
             <a:r>
               <a:rPr lang="fr-FR" dirty="0" smtClean="0">
                 <a:latin typeface="Gill Sans MT" pitchFamily="34" charset="0"/>
               </a:rPr>
-              <a:t>10 Animations</a:t>
+              <a:t>  - </a:t>
+            </a:r>
+            <a:r>
+              <a:rPr lang="fr-FR" i="1" dirty="0" smtClean="0">
+                <a:latin typeface="Gill Sans MT" pitchFamily="34" charset="0"/>
+              </a:rPr>
+              <a:t>Plateforme</a:t>
             </a:r>
           </a:p>
           <a:p>
@@ -4073,52 +4279,21 @@
               <a:rPr lang="fr-FR" dirty="0" err="1" smtClean="0">
                 <a:latin typeface="Gill Sans MT" pitchFamily="34" charset="0"/>
               </a:rPr>
-              <a:t>Animator</a:t>
-            </a:r>
-            <a:r>
-              <a:rPr lang="fr-FR" dirty="0">
-                <a:latin typeface="Gill Sans MT" pitchFamily="34" charset="0"/>
-              </a:rPr>
-              <a:t> (</a:t>
-            </a:r>
-            <a:r>
-              <a:rPr lang="fr-FR" dirty="0" err="1">
-                <a:latin typeface="Gill Sans MT" pitchFamily="34" charset="0"/>
-              </a:rPr>
-              <a:t>Mecanim</a:t>
-            </a:r>
-            <a:r>
-              <a:rPr lang="fr-FR" dirty="0">
-                <a:latin typeface="Gill Sans MT" pitchFamily="34" charset="0"/>
-              </a:rPr>
-              <a:t>)</a:t>
-            </a:r>
-            <a:endParaRPr lang="fr-FR" dirty="0" smtClean="0">
-              <a:latin typeface="Gill Sans MT" pitchFamily="34" charset="0"/>
-            </a:endParaRPr>
-          </a:p>
-          <a:p>
+              <a:t>Three</a:t>
+            </a:r>
             <a:r>
               <a:rPr lang="fr-FR" dirty="0" smtClean="0">
                 <a:latin typeface="Gill Sans MT" pitchFamily="34" charset="0"/>
               </a:rPr>
-              <a:t>Source</a:t>
-            </a:r>
-          </a:p>
-          <a:p>
-            <a:pPr lvl="1"/>
-            <a:r>
-              <a:rPr lang="fr-FR" dirty="0">
+              <a:t> JS - </a:t>
+            </a:r>
+            <a:r>
+              <a:rPr lang="fr-FR" i="1" dirty="0" smtClean="0">
                 <a:latin typeface="Gill Sans MT" pitchFamily="34" charset="0"/>
               </a:rPr>
-              <a:t>http://opengameart.org/content/earth-elemental-golem</a:t>
-            </a:r>
-            <a:endParaRPr lang="fr-FR" dirty="0" smtClean="0">
-              <a:latin typeface="Gill Sans MT" pitchFamily="34" charset="0"/>
-            </a:endParaRPr>
-          </a:p>
-          <a:p>
-            <a:endParaRPr lang="fr-FR" dirty="0" smtClean="0">
+              <a:t>Framework</a:t>
+            </a:r>
+            <a:endParaRPr lang="fr-FR" i="1" dirty="0" smtClean="0">
               <a:latin typeface="Gill Sans MT" pitchFamily="34" charset="0"/>
             </a:endParaRPr>
           </a:p>
@@ -4213,7 +4388,13 @@
               <a:rPr lang="fr-FR" dirty="0" smtClean="0">
                 <a:latin typeface="Bauhaus 93" pitchFamily="82" charset="0"/>
               </a:rPr>
-              <a:t>Les Statistiques</a:t>
+              <a:t>Version </a:t>
+            </a:r>
+            <a:r>
+              <a:rPr lang="fr-FR" dirty="0" err="1" smtClean="0">
+                <a:latin typeface="Bauhaus 93" pitchFamily="82" charset="0"/>
+              </a:rPr>
+              <a:t>Shader</a:t>
             </a:r>
             <a:endParaRPr lang="fr-FR" dirty="0">
               <a:latin typeface="Bauhaus 93" pitchFamily="82" charset="0"/>
@@ -4384,27 +4565,29 @@
               <a:rPr lang="fr-FR" dirty="0" smtClean="0">
                 <a:latin typeface="Gill Sans MT" pitchFamily="34" charset="0"/>
               </a:rPr>
-              <a:t>Vie, Dégâts, Portée, Vitesse, </a:t>
-            </a:r>
-            <a:r>
-              <a:rPr lang="fr-FR" dirty="0" err="1" smtClean="0">
-                <a:latin typeface="Gill Sans MT" pitchFamily="34" charset="0"/>
-              </a:rPr>
-              <a:t>ect</a:t>
-            </a:r>
+              <a:t>Formes rectangulaires</a:t>
+            </a:r>
+            <a:endParaRPr lang="fr-FR" dirty="0" smtClean="0">
+              <a:latin typeface="Gill Sans MT" pitchFamily="34" charset="0"/>
+            </a:endParaRPr>
+          </a:p>
+          <a:p>
             <a:r>
               <a:rPr lang="fr-FR" dirty="0" smtClean="0">
                 <a:latin typeface="Gill Sans MT" pitchFamily="34" charset="0"/>
               </a:rPr>
-              <a:t> …</a:t>
-            </a:r>
+              <a:t>Paramétrable</a:t>
+            </a:r>
+            <a:endParaRPr lang="fr-FR" dirty="0" smtClean="0">
+              <a:latin typeface="Gill Sans MT" pitchFamily="34" charset="0"/>
+            </a:endParaRPr>
           </a:p>
           <a:p>
             <a:r>
               <a:rPr lang="fr-FR" dirty="0" smtClean="0">
                 <a:latin typeface="Gill Sans MT" pitchFamily="34" charset="0"/>
               </a:rPr>
-              <a:t>Aléatoire</a:t>
+              <a:t>Changement d’image dynamique</a:t>
             </a:r>
           </a:p>
           <a:p>
@@ -4412,18 +4595,34 @@
               <a:rPr lang="fr-FR" dirty="0" smtClean="0">
                 <a:latin typeface="Gill Sans MT" pitchFamily="34" charset="0"/>
               </a:rPr>
-              <a:t>Personnalisé</a:t>
-            </a:r>
-          </a:p>
-          <a:p>
+              <a:t>Actions </a:t>
+            </a:r>
+          </a:p>
+          <a:p>
+            <a:pPr lvl="1"/>
             <a:r>
               <a:rPr lang="fr-FR" dirty="0" smtClean="0">
                 <a:latin typeface="Gill Sans MT" pitchFamily="34" charset="0"/>
               </a:rPr>
-              <a:t>Appliqué sur le golem au démarrage du Jeu</a:t>
-            </a:r>
-          </a:p>
-          <a:p>
+              <a:t>Mélanger les formes</a:t>
+            </a:r>
+          </a:p>
+          <a:p>
+            <a:pPr lvl="1"/>
+            <a:r>
+              <a:rPr lang="fr-FR" dirty="0" smtClean="0">
+                <a:latin typeface="Gill Sans MT" pitchFamily="34" charset="0"/>
+              </a:rPr>
+              <a:t>Appliquer la couleur de fond</a:t>
+            </a:r>
+            <a:endParaRPr lang="fr-FR" dirty="0" smtClean="0">
+              <a:latin typeface="Gill Sans MT" pitchFamily="34" charset="0"/>
+            </a:endParaRPr>
+          </a:p>
+          <a:p>
+            <a:pPr marL="0" indent="0">
+              <a:buNone/>
+            </a:pPr>
             <a:endParaRPr lang="fr-FR" dirty="0" smtClean="0">
               <a:latin typeface="Gill Sans MT" pitchFamily="34" charset="0"/>
             </a:endParaRPr>
@@ -4472,589 +4671,51 @@
           <a:chExt cx="0" cy="0"/>
         </a:xfrm>
       </p:grpSpPr>
-      <p:sp>
-        <p:nvSpPr>
-          <p:cNvPr id="4" name="Titre 1"/>
-          <p:cNvSpPr txBox="1">
-            <a:spLocks/>
-          </p:cNvSpPr>
+      <p:pic>
+        <p:nvPicPr>
+          <p:cNvPr id="3074" name="Picture 2" descr="E:\Dossier Magique\Projets\OpenSticky\OpenSticky\DOC\PPT\src\reunion.jpg"/>
+          <p:cNvPicPr>
+            <a:picLocks noChangeAspect="1" noChangeArrowheads="1"/>
+          </p:cNvPicPr>
           <p:nvPr/>
-        </p:nvSpPr>
-        <p:spPr>
+        </p:nvPicPr>
+        <p:blipFill>
+          <a:blip r:embed="rId2">
+            <a:extLst>
+              <a:ext uri="{28A0092B-C50C-407E-A947-70E740481C1C}">
+                <a14:useLocalDpi xmlns:a14="http://schemas.microsoft.com/office/drawing/2010/main" val="0"/>
+              </a:ext>
+            </a:extLst>
+          </a:blip>
+          <a:srcRect/>
+          <a:stretch>
+            <a:fillRect/>
+          </a:stretch>
+        </p:blipFill>
+        <p:spPr bwMode="auto">
           <a:xfrm>
-            <a:off x="683568" y="260648"/>
-            <a:ext cx="7772400" cy="1470025"/>
+            <a:off x="-396552" y="0"/>
+            <a:ext cx="10065584" cy="5661248"/>
           </a:xfrm>
           <a:prstGeom prst="rect">
             <a:avLst/>
           </a:prstGeom>
+          <a:noFill/>
+          <a:extLst>
+            <a:ext uri="{909E8E84-426E-40DD-AFC4-6F175D3DCCD1}">
+              <a14:hiddenFill xmlns:a14="http://schemas.microsoft.com/office/drawing/2010/main">
+                <a:solidFill>
+                  <a:srgbClr val="FFFFFF"/>
+                </a:solidFill>
+              </a14:hiddenFill>
+            </a:ext>
+          </a:extLst>
         </p:spPr>
-        <p:txBody>
-          <a:bodyPr vert="horz" lIns="91440" tIns="45720" rIns="91440" bIns="45720" rtlCol="0" anchor="ctr">
-            <a:normAutofit/>
-          </a:bodyPr>
-          <a:lstStyle>
-            <a:lvl1pPr algn="ctr" defTabSz="914400" rtl="0" eaLnBrk="1" latinLnBrk="0" hangingPunct="1">
-              <a:spcBef>
-                <a:spcPct val="0"/>
-              </a:spcBef>
-              <a:buNone/>
-              <a:defRPr sz="4400" kern="1200">
-                <a:solidFill>
-                  <a:schemeClr val="tx1"/>
-                </a:solidFill>
-                <a:latin typeface="+mj-lt"/>
-                <a:ea typeface="+mj-ea"/>
-                <a:cs typeface="+mj-cs"/>
-              </a:defRPr>
-            </a:lvl1pPr>
-          </a:lstStyle>
-          <a:p>
-            <a:r>
-              <a:rPr lang="fr-FR" dirty="0" smtClean="0">
-                <a:latin typeface="Bauhaus 93" pitchFamily="82" charset="0"/>
-              </a:rPr>
-              <a:t>Les Actions</a:t>
-            </a:r>
-            <a:endParaRPr lang="fr-FR" dirty="0">
-              <a:latin typeface="Bauhaus 93" pitchFamily="82" charset="0"/>
-            </a:endParaRPr>
-          </a:p>
-        </p:txBody>
-      </p:sp>
-      <p:sp>
-        <p:nvSpPr>
-          <p:cNvPr id="5" name="Sous-titre 2"/>
-          <p:cNvSpPr txBox="1">
-            <a:spLocks/>
-          </p:cNvSpPr>
-          <p:nvPr/>
-        </p:nvSpPr>
-        <p:spPr>
-          <a:xfrm>
-            <a:off x="19882" y="1730673"/>
-            <a:ext cx="9144000" cy="5127326"/>
-          </a:xfrm>
-          <a:prstGeom prst="rect">
-            <a:avLst/>
-          </a:prstGeom>
-        </p:spPr>
-        <p:txBody>
-          <a:bodyPr vert="horz" lIns="91440" tIns="45720" rIns="91440" bIns="45720" rtlCol="0">
-            <a:normAutofit/>
-          </a:bodyPr>
-          <a:lstStyle>
-            <a:lvl1pPr marL="342900" indent="-342900" algn="l" defTabSz="914400" rtl="0" eaLnBrk="1" latinLnBrk="0" hangingPunct="1">
-              <a:spcBef>
-                <a:spcPct val="20000"/>
-              </a:spcBef>
-              <a:buFont typeface="Arial" pitchFamily="34" charset="0"/>
-              <a:buChar char="•"/>
-              <a:defRPr sz="3200" kern="1200">
-                <a:solidFill>
-                  <a:schemeClr val="tx1"/>
-                </a:solidFill>
-                <a:latin typeface="+mn-lt"/>
-                <a:ea typeface="+mn-ea"/>
-                <a:cs typeface="+mn-cs"/>
-              </a:defRPr>
-            </a:lvl1pPr>
-            <a:lvl2pPr marL="742950" indent="-285750" algn="l" defTabSz="914400" rtl="0" eaLnBrk="1" latinLnBrk="0" hangingPunct="1">
-              <a:spcBef>
-                <a:spcPct val="20000"/>
-              </a:spcBef>
-              <a:buFont typeface="Arial" pitchFamily="34" charset="0"/>
-              <a:buChar char="–"/>
-              <a:defRPr sz="2800" kern="1200">
-                <a:solidFill>
-                  <a:schemeClr val="tx1"/>
-                </a:solidFill>
-                <a:latin typeface="+mn-lt"/>
-                <a:ea typeface="+mn-ea"/>
-                <a:cs typeface="+mn-cs"/>
-              </a:defRPr>
-            </a:lvl2pPr>
-            <a:lvl3pPr marL="1143000" indent="-228600" algn="l" defTabSz="914400" rtl="0" eaLnBrk="1" latinLnBrk="0" hangingPunct="1">
-              <a:spcBef>
-                <a:spcPct val="20000"/>
-              </a:spcBef>
-              <a:buFont typeface="Arial" pitchFamily="34" charset="0"/>
-              <a:buChar char="•"/>
-              <a:defRPr sz="2400" kern="1200">
-                <a:solidFill>
-                  <a:schemeClr val="tx1"/>
-                </a:solidFill>
-                <a:latin typeface="+mn-lt"/>
-                <a:ea typeface="+mn-ea"/>
-                <a:cs typeface="+mn-cs"/>
-              </a:defRPr>
-            </a:lvl3pPr>
-            <a:lvl4pPr marL="1600200" indent="-228600" algn="l" defTabSz="914400" rtl="0" eaLnBrk="1" latinLnBrk="0" hangingPunct="1">
-              <a:spcBef>
-                <a:spcPct val="20000"/>
-              </a:spcBef>
-              <a:buFont typeface="Arial" pitchFamily="34" charset="0"/>
-              <a:buChar char="–"/>
-              <a:defRPr sz="2000" kern="1200">
-                <a:solidFill>
-                  <a:schemeClr val="tx1"/>
-                </a:solidFill>
-                <a:latin typeface="+mn-lt"/>
-                <a:ea typeface="+mn-ea"/>
-                <a:cs typeface="+mn-cs"/>
-              </a:defRPr>
-            </a:lvl4pPr>
-            <a:lvl5pPr marL="2057400" indent="-228600" algn="l" defTabSz="914400" rtl="0" eaLnBrk="1" latinLnBrk="0" hangingPunct="1">
-              <a:spcBef>
-                <a:spcPct val="20000"/>
-              </a:spcBef>
-              <a:buFont typeface="Arial" pitchFamily="34" charset="0"/>
-              <a:buChar char="»"/>
-              <a:defRPr sz="2000" kern="1200">
-                <a:solidFill>
-                  <a:schemeClr val="tx1"/>
-                </a:solidFill>
-                <a:latin typeface="+mn-lt"/>
-                <a:ea typeface="+mn-ea"/>
-                <a:cs typeface="+mn-cs"/>
-              </a:defRPr>
-            </a:lvl5pPr>
-            <a:lvl6pPr marL="2514600" indent="-228600" algn="l" defTabSz="914400" rtl="0" eaLnBrk="1" latinLnBrk="0" hangingPunct="1">
-              <a:spcBef>
-                <a:spcPct val="20000"/>
-              </a:spcBef>
-              <a:buFont typeface="Arial" pitchFamily="34" charset="0"/>
-              <a:buChar char="•"/>
-              <a:defRPr sz="2000" kern="1200">
-                <a:solidFill>
-                  <a:schemeClr val="tx1"/>
-                </a:solidFill>
-                <a:latin typeface="+mn-lt"/>
-                <a:ea typeface="+mn-ea"/>
-                <a:cs typeface="+mn-cs"/>
-              </a:defRPr>
-            </a:lvl6pPr>
-            <a:lvl7pPr marL="2971800" indent="-228600" algn="l" defTabSz="914400" rtl="0" eaLnBrk="1" latinLnBrk="0" hangingPunct="1">
-              <a:spcBef>
-                <a:spcPct val="20000"/>
-              </a:spcBef>
-              <a:buFont typeface="Arial" pitchFamily="34" charset="0"/>
-              <a:buChar char="•"/>
-              <a:defRPr sz="2000" kern="1200">
-                <a:solidFill>
-                  <a:schemeClr val="tx1"/>
-                </a:solidFill>
-                <a:latin typeface="+mn-lt"/>
-                <a:ea typeface="+mn-ea"/>
-                <a:cs typeface="+mn-cs"/>
-              </a:defRPr>
-            </a:lvl7pPr>
-            <a:lvl8pPr marL="3429000" indent="-228600" algn="l" defTabSz="914400" rtl="0" eaLnBrk="1" latinLnBrk="0" hangingPunct="1">
-              <a:spcBef>
-                <a:spcPct val="20000"/>
-              </a:spcBef>
-              <a:buFont typeface="Arial" pitchFamily="34" charset="0"/>
-              <a:buChar char="•"/>
-              <a:defRPr sz="2000" kern="1200">
-                <a:solidFill>
-                  <a:schemeClr val="tx1"/>
-                </a:solidFill>
-                <a:latin typeface="+mn-lt"/>
-                <a:ea typeface="+mn-ea"/>
-                <a:cs typeface="+mn-cs"/>
-              </a:defRPr>
-            </a:lvl8pPr>
-            <a:lvl9pPr marL="3886200" indent="-228600" algn="l" defTabSz="914400" rtl="0" eaLnBrk="1" latinLnBrk="0" hangingPunct="1">
-              <a:spcBef>
-                <a:spcPct val="20000"/>
-              </a:spcBef>
-              <a:buFont typeface="Arial" pitchFamily="34" charset="0"/>
-              <a:buChar char="•"/>
-              <a:defRPr sz="2000" kern="1200">
-                <a:solidFill>
-                  <a:schemeClr val="tx1"/>
-                </a:solidFill>
-                <a:latin typeface="+mn-lt"/>
-                <a:ea typeface="+mn-ea"/>
-                <a:cs typeface="+mn-cs"/>
-              </a:defRPr>
-            </a:lvl9pPr>
-          </a:lstStyle>
-          <a:p>
-            <a:r>
-              <a:rPr lang="fr-FR" sz="2400" b="1" dirty="0" smtClean="0">
-                <a:latin typeface="Gill Sans MT" pitchFamily="34" charset="0"/>
-              </a:rPr>
-              <a:t>&lt;</a:t>
-            </a:r>
-            <a:r>
-              <a:rPr lang="fr-FR" sz="2400" b="1" dirty="0" err="1" smtClean="0">
-                <a:latin typeface="Gill Sans MT" pitchFamily="34" charset="0"/>
-              </a:rPr>
-              <a:t>void</a:t>
-            </a:r>
-            <a:r>
-              <a:rPr lang="fr-FR" sz="2400" b="1" dirty="0" smtClean="0">
-                <a:latin typeface="Gill Sans MT" pitchFamily="34" charset="0"/>
-              </a:rPr>
-              <a:t>&gt; </a:t>
-            </a:r>
-            <a:r>
-              <a:rPr lang="fr-FR" sz="2400" b="1" dirty="0" err="1" smtClean="0">
-                <a:solidFill>
-                  <a:schemeClr val="accent6">
-                    <a:lumMod val="75000"/>
-                  </a:schemeClr>
-                </a:solidFill>
-                <a:latin typeface="Gill Sans MT" pitchFamily="34" charset="0"/>
-              </a:rPr>
-              <a:t>moveToDestination</a:t>
-            </a:r>
-            <a:r>
-              <a:rPr lang="fr-FR" sz="2400" b="1" dirty="0" smtClean="0">
-                <a:solidFill>
-                  <a:schemeClr val="accent6">
-                    <a:lumMod val="75000"/>
-                  </a:schemeClr>
-                </a:solidFill>
-                <a:latin typeface="Gill Sans MT" pitchFamily="34" charset="0"/>
-              </a:rPr>
-              <a:t> </a:t>
-            </a:r>
-            <a:r>
-              <a:rPr lang="fr-FR" sz="2400" b="1" dirty="0" smtClean="0">
-                <a:latin typeface="Gill Sans MT" pitchFamily="34" charset="0"/>
-              </a:rPr>
-              <a:t>(Vector3 destination)</a:t>
-            </a:r>
-          </a:p>
-          <a:p>
-            <a:pPr lvl="1"/>
-            <a:r>
-              <a:rPr lang="fr-FR" sz="2000" dirty="0" smtClean="0">
-                <a:latin typeface="Gill Sans MT" pitchFamily="34" charset="0"/>
-              </a:rPr>
-              <a:t>Se déplacer sur le terrain</a:t>
-            </a:r>
-          </a:p>
-          <a:p>
-            <a:r>
-              <a:rPr lang="fr-FR" sz="2400" b="1" dirty="0" smtClean="0">
-                <a:latin typeface="Gill Sans MT" pitchFamily="34" charset="0"/>
-              </a:rPr>
-              <a:t>&lt;</a:t>
-            </a:r>
-            <a:r>
-              <a:rPr lang="fr-FR" sz="2400" b="1" dirty="0" err="1" smtClean="0">
-                <a:latin typeface="Gill Sans MT" pitchFamily="34" charset="0"/>
-              </a:rPr>
-              <a:t>GolemManager</a:t>
-            </a:r>
-            <a:r>
-              <a:rPr lang="fr-FR" sz="2400" b="1" dirty="0" smtClean="0">
-                <a:latin typeface="Gill Sans MT" pitchFamily="34" charset="0"/>
-              </a:rPr>
-              <a:t>&gt; </a:t>
-            </a:r>
-            <a:r>
-              <a:rPr lang="fr-FR" sz="2400" b="1" dirty="0" err="1" smtClean="0">
-                <a:solidFill>
-                  <a:schemeClr val="accent6">
-                    <a:lumMod val="75000"/>
-                  </a:schemeClr>
-                </a:solidFill>
-                <a:latin typeface="Gill Sans MT" pitchFamily="34" charset="0"/>
-              </a:rPr>
-              <a:t>tryGetTarget</a:t>
-            </a:r>
-            <a:r>
-              <a:rPr lang="fr-FR" sz="2400" b="1" dirty="0" smtClean="0">
-                <a:solidFill>
-                  <a:schemeClr val="accent6">
-                    <a:lumMod val="75000"/>
-                  </a:schemeClr>
-                </a:solidFill>
-                <a:latin typeface="Gill Sans MT" pitchFamily="34" charset="0"/>
-              </a:rPr>
-              <a:t> </a:t>
-            </a:r>
-            <a:r>
-              <a:rPr lang="fr-FR" sz="2400" b="1" dirty="0" smtClean="0">
-                <a:latin typeface="Gill Sans MT" pitchFamily="34" charset="0"/>
-              </a:rPr>
-              <a:t>()</a:t>
-            </a:r>
-          </a:p>
-          <a:p>
-            <a:pPr lvl="1"/>
-            <a:r>
-              <a:rPr lang="fr-FR" sz="2000" dirty="0">
-                <a:latin typeface="Gill Sans MT" pitchFamily="34" charset="0"/>
-              </a:rPr>
-              <a:t>Essaie </a:t>
-            </a:r>
-            <a:r>
-              <a:rPr lang="fr-FR" sz="2000" dirty="0" smtClean="0">
-                <a:latin typeface="Gill Sans MT" pitchFamily="34" charset="0"/>
-              </a:rPr>
-              <a:t>acquérir une cible, renvoie </a:t>
-            </a:r>
-            <a:r>
-              <a:rPr lang="fr-FR" sz="2000" dirty="0" err="1" smtClean="0">
-                <a:latin typeface="Gill Sans MT" pitchFamily="34" charset="0"/>
-              </a:rPr>
-              <a:t>null</a:t>
-            </a:r>
-            <a:r>
-              <a:rPr lang="fr-FR" sz="2000" dirty="0" smtClean="0">
-                <a:latin typeface="Gill Sans MT" pitchFamily="34" charset="0"/>
-              </a:rPr>
-              <a:t> si rien n’a été touché</a:t>
-            </a:r>
-          </a:p>
-          <a:p>
-            <a:r>
-              <a:rPr lang="fr-FR" sz="2400" b="1" dirty="0" smtClean="0">
-                <a:latin typeface="Gill Sans MT" pitchFamily="34" charset="0"/>
-              </a:rPr>
-              <a:t>&lt;</a:t>
-            </a:r>
-            <a:r>
-              <a:rPr lang="fr-FR" sz="2400" b="1" dirty="0" err="1" smtClean="0">
-                <a:latin typeface="Gill Sans MT" pitchFamily="34" charset="0"/>
-              </a:rPr>
-              <a:t>void</a:t>
-            </a:r>
-            <a:r>
-              <a:rPr lang="fr-FR" sz="2400" b="1" dirty="0" smtClean="0">
-                <a:latin typeface="Gill Sans MT" pitchFamily="34" charset="0"/>
-              </a:rPr>
-              <a:t>&gt; </a:t>
-            </a:r>
-            <a:r>
-              <a:rPr lang="fr-FR" sz="2400" b="1" dirty="0" err="1" smtClean="0">
-                <a:solidFill>
-                  <a:schemeClr val="accent6">
-                    <a:lumMod val="75000"/>
-                  </a:schemeClr>
-                </a:solidFill>
-                <a:latin typeface="Gill Sans MT" pitchFamily="34" charset="0"/>
-              </a:rPr>
-              <a:t>doBasicAttack</a:t>
-            </a:r>
-            <a:r>
-              <a:rPr lang="fr-FR" sz="2400" b="1" dirty="0" smtClean="0">
-                <a:solidFill>
-                  <a:schemeClr val="accent6">
-                    <a:lumMod val="75000"/>
-                  </a:schemeClr>
-                </a:solidFill>
-                <a:latin typeface="Gill Sans MT" pitchFamily="34" charset="0"/>
-              </a:rPr>
-              <a:t> </a:t>
-            </a:r>
-            <a:r>
-              <a:rPr lang="fr-FR" sz="2400" b="1" dirty="0" smtClean="0">
-                <a:latin typeface="Gill Sans MT" pitchFamily="34" charset="0"/>
-              </a:rPr>
-              <a:t>()</a:t>
-            </a:r>
-          </a:p>
-          <a:p>
-            <a:pPr lvl="1"/>
-            <a:r>
-              <a:rPr lang="fr-FR" sz="2000" dirty="0" smtClean="0">
-                <a:latin typeface="Gill Sans MT" pitchFamily="34" charset="0"/>
-              </a:rPr>
-              <a:t>Combos</a:t>
-            </a:r>
-          </a:p>
-          <a:p>
-            <a:r>
-              <a:rPr lang="fr-FR" sz="2400" b="1" dirty="0" smtClean="0">
-                <a:latin typeface="Gill Sans MT" pitchFamily="34" charset="0"/>
-              </a:rPr>
-              <a:t>&lt;</a:t>
-            </a:r>
-            <a:r>
-              <a:rPr lang="fr-FR" sz="2400" b="1" dirty="0" err="1" smtClean="0">
-                <a:latin typeface="Gill Sans MT" pitchFamily="34" charset="0"/>
-              </a:rPr>
-              <a:t>bool</a:t>
-            </a:r>
-            <a:r>
-              <a:rPr lang="fr-FR" sz="2400" b="1" dirty="0" smtClean="0">
-                <a:latin typeface="Gill Sans MT" pitchFamily="34" charset="0"/>
-              </a:rPr>
-              <a:t>&gt; </a:t>
-            </a:r>
-            <a:r>
-              <a:rPr lang="fr-FR" sz="2400" b="1" dirty="0" err="1" smtClean="0">
-                <a:solidFill>
-                  <a:schemeClr val="accent6">
-                    <a:lumMod val="75000"/>
-                  </a:schemeClr>
-                </a:solidFill>
-                <a:latin typeface="Gill Sans MT" pitchFamily="34" charset="0"/>
-              </a:rPr>
-              <a:t>launchProjectile</a:t>
-            </a:r>
-            <a:r>
-              <a:rPr lang="fr-FR" sz="2400" b="1" dirty="0" smtClean="0">
-                <a:solidFill>
-                  <a:schemeClr val="accent6">
-                    <a:lumMod val="75000"/>
-                  </a:schemeClr>
-                </a:solidFill>
-                <a:latin typeface="Gill Sans MT" pitchFamily="34" charset="0"/>
-              </a:rPr>
-              <a:t> </a:t>
-            </a:r>
-            <a:r>
-              <a:rPr lang="fr-FR" sz="2400" b="1" dirty="0" smtClean="0">
-                <a:latin typeface="Gill Sans MT" pitchFamily="34" charset="0"/>
-              </a:rPr>
-              <a:t>()</a:t>
-            </a:r>
-          </a:p>
-          <a:p>
-            <a:pPr lvl="1"/>
-            <a:r>
-              <a:rPr lang="fr-FR" sz="2000" dirty="0" smtClean="0">
-                <a:latin typeface="Gill Sans MT" pitchFamily="34" charset="0"/>
-              </a:rPr>
-              <a:t>Lance un projectile (si disponible)</a:t>
-            </a:r>
-          </a:p>
-          <a:p>
-            <a:r>
-              <a:rPr lang="fr-FR" sz="2400" b="1" dirty="0" smtClean="0">
-                <a:latin typeface="Gill Sans MT" pitchFamily="34" charset="0"/>
-              </a:rPr>
-              <a:t>&lt;</a:t>
-            </a:r>
-            <a:r>
-              <a:rPr lang="fr-FR" sz="2400" b="1" dirty="0" err="1" smtClean="0">
-                <a:latin typeface="Gill Sans MT" pitchFamily="34" charset="0"/>
-              </a:rPr>
-              <a:t>void</a:t>
-            </a:r>
-            <a:r>
-              <a:rPr lang="fr-FR" sz="2400" b="1" dirty="0" smtClean="0">
-                <a:latin typeface="Gill Sans MT" pitchFamily="34" charset="0"/>
-              </a:rPr>
-              <a:t>&gt; </a:t>
-            </a:r>
-            <a:r>
-              <a:rPr lang="fr-FR" sz="2400" b="1" dirty="0" smtClean="0">
-                <a:solidFill>
-                  <a:schemeClr val="accent6">
-                    <a:lumMod val="75000"/>
-                  </a:schemeClr>
-                </a:solidFill>
-                <a:latin typeface="Gill Sans MT" pitchFamily="34" charset="0"/>
-              </a:rPr>
-              <a:t>roll</a:t>
-            </a:r>
-            <a:r>
-              <a:rPr lang="fr-FR" sz="2400" b="1" dirty="0" smtClean="0">
-                <a:latin typeface="Gill Sans MT" pitchFamily="34" charset="0"/>
-              </a:rPr>
-              <a:t> (Vector3 destination)</a:t>
-            </a:r>
-            <a:endParaRPr lang="fr-FR" sz="2400" b="1" dirty="0">
-              <a:latin typeface="Gill Sans MT" pitchFamily="34" charset="0"/>
-            </a:endParaRPr>
-          </a:p>
-          <a:p>
-            <a:pPr lvl="1"/>
-            <a:r>
-              <a:rPr lang="fr-FR" sz="2000" dirty="0" smtClean="0">
-                <a:latin typeface="Gill Sans MT" pitchFamily="34" charset="0"/>
-              </a:rPr>
-              <a:t>Se met en boule</a:t>
-            </a:r>
-          </a:p>
-          <a:p>
-            <a:r>
-              <a:rPr lang="fr-FR" sz="2400" b="1" dirty="0">
-                <a:latin typeface="Gill Sans MT" pitchFamily="34" charset="0"/>
-              </a:rPr>
-              <a:t>&lt;</a:t>
-            </a:r>
-            <a:r>
-              <a:rPr lang="fr-FR" sz="2400" b="1" dirty="0" err="1">
-                <a:latin typeface="Gill Sans MT" pitchFamily="34" charset="0"/>
-              </a:rPr>
-              <a:t>void</a:t>
-            </a:r>
-            <a:r>
-              <a:rPr lang="fr-FR" sz="2400" b="1" dirty="0">
-                <a:latin typeface="Gill Sans MT" pitchFamily="34" charset="0"/>
-              </a:rPr>
-              <a:t>&gt; </a:t>
-            </a:r>
-            <a:r>
-              <a:rPr lang="fr-FR" sz="2400" b="1" dirty="0" err="1" smtClean="0">
-                <a:solidFill>
-                  <a:schemeClr val="accent6">
-                    <a:lumMod val="75000"/>
-                  </a:schemeClr>
-                </a:solidFill>
-                <a:latin typeface="Gill Sans MT" pitchFamily="34" charset="0"/>
-              </a:rPr>
-              <a:t>fearOpponents</a:t>
-            </a:r>
-            <a:r>
-              <a:rPr lang="fr-FR" sz="2400" b="1" dirty="0" smtClean="0">
-                <a:solidFill>
-                  <a:schemeClr val="accent6">
-                    <a:lumMod val="75000"/>
-                  </a:schemeClr>
-                </a:solidFill>
-                <a:latin typeface="Gill Sans MT" pitchFamily="34" charset="0"/>
-              </a:rPr>
-              <a:t> </a:t>
-            </a:r>
-            <a:r>
-              <a:rPr lang="fr-FR" sz="2400" b="1" dirty="0" smtClean="0">
-                <a:latin typeface="Gill Sans MT" pitchFamily="34" charset="0"/>
-              </a:rPr>
-              <a:t>()</a:t>
-            </a:r>
-            <a:endParaRPr lang="fr-FR" sz="2400" b="1" dirty="0">
-              <a:latin typeface="Gill Sans MT" pitchFamily="34" charset="0"/>
-            </a:endParaRPr>
-          </a:p>
-          <a:p>
-            <a:pPr lvl="1"/>
-            <a:r>
-              <a:rPr lang="fr-FR" sz="2000" dirty="0" smtClean="0">
-                <a:latin typeface="Gill Sans MT" pitchFamily="34" charset="0"/>
-              </a:rPr>
-              <a:t>Fait fuir tous les adversaires </a:t>
-            </a:r>
-            <a:endParaRPr lang="fr-FR" sz="2000" dirty="0">
-              <a:latin typeface="Gill Sans MT" pitchFamily="34" charset="0"/>
-            </a:endParaRPr>
-          </a:p>
-          <a:p>
-            <a:pPr lvl="1"/>
-            <a:endParaRPr lang="fr-FR" sz="2000" dirty="0" smtClean="0">
-              <a:latin typeface="Gill Sans MT" pitchFamily="34" charset="0"/>
-            </a:endParaRPr>
-          </a:p>
-          <a:p>
-            <a:endParaRPr lang="fr-FR" dirty="0">
-              <a:latin typeface="Gill Sans MT" pitchFamily="34" charset="0"/>
-            </a:endParaRPr>
-          </a:p>
-        </p:txBody>
-      </p:sp>
+      </p:pic>
     </p:spTree>
     <p:extLst>
       <p:ext uri="{BB962C8B-B14F-4D97-AF65-F5344CB8AC3E}">
-        <p14:creationId xmlns:p14="http://schemas.microsoft.com/office/powerpoint/2010/main" val="1205258986"/>
+        <p14:creationId xmlns:p14="http://schemas.microsoft.com/office/powerpoint/2010/main" val="1028965361"/>
       </p:ext>
     </p:extLst>
   </p:cSld>
@@ -5088,371 +4749,51 @@
           <a:chExt cx="0" cy="0"/>
         </a:xfrm>
       </p:grpSpPr>
-      <p:sp>
-        <p:nvSpPr>
-          <p:cNvPr id="4" name="Titre 1"/>
-          <p:cNvSpPr txBox="1">
-            <a:spLocks/>
-          </p:cNvSpPr>
+      <p:pic>
+        <p:nvPicPr>
+          <p:cNvPr id="2050" name="Picture 2" descr="E:\Dossier Magique\Projets\OpenSticky\OpenSticky\DOC\PPT\src\reunionshader.png"/>
+          <p:cNvPicPr>
+            <a:picLocks noChangeAspect="1" noChangeArrowheads="1"/>
+          </p:cNvPicPr>
           <p:nvPr/>
-        </p:nvSpPr>
-        <p:spPr>
+        </p:nvPicPr>
+        <p:blipFill>
+          <a:blip r:embed="rId2">
+            <a:extLst>
+              <a:ext uri="{28A0092B-C50C-407E-A947-70E740481C1C}">
+                <a14:useLocalDpi xmlns:a14="http://schemas.microsoft.com/office/drawing/2010/main" val="0"/>
+              </a:ext>
+            </a:extLst>
+          </a:blip>
+          <a:srcRect/>
+          <a:stretch>
+            <a:fillRect/>
+          </a:stretch>
+        </p:blipFill>
+        <p:spPr bwMode="auto">
           <a:xfrm>
-            <a:off x="683568" y="260648"/>
-            <a:ext cx="7772400" cy="1470025"/>
+            <a:off x="-396552" y="12328"/>
+            <a:ext cx="9937103" cy="5712802"/>
           </a:xfrm>
           <a:prstGeom prst="rect">
             <a:avLst/>
           </a:prstGeom>
+          <a:noFill/>
+          <a:extLst>
+            <a:ext uri="{909E8E84-426E-40DD-AFC4-6F175D3DCCD1}">
+              <a14:hiddenFill xmlns:a14="http://schemas.microsoft.com/office/drawing/2010/main">
+                <a:solidFill>
+                  <a:srgbClr val="FFFFFF"/>
+                </a:solidFill>
+              </a14:hiddenFill>
+            </a:ext>
+          </a:extLst>
         </p:spPr>
-        <p:txBody>
-          <a:bodyPr vert="horz" lIns="91440" tIns="45720" rIns="91440" bIns="45720" rtlCol="0" anchor="ctr">
-            <a:normAutofit/>
-          </a:bodyPr>
-          <a:lstStyle>
-            <a:lvl1pPr algn="ctr" defTabSz="914400" rtl="0" eaLnBrk="1" latinLnBrk="0" hangingPunct="1">
-              <a:spcBef>
-                <a:spcPct val="0"/>
-              </a:spcBef>
-              <a:buNone/>
-              <a:defRPr sz="4400" kern="1200">
-                <a:solidFill>
-                  <a:schemeClr val="tx1"/>
-                </a:solidFill>
-                <a:latin typeface="+mj-lt"/>
-                <a:ea typeface="+mj-ea"/>
-                <a:cs typeface="+mj-cs"/>
-              </a:defRPr>
-            </a:lvl1pPr>
-          </a:lstStyle>
-          <a:p>
-            <a:r>
-              <a:rPr lang="fr-FR" dirty="0" smtClean="0">
-                <a:latin typeface="Bauhaus 93" pitchFamily="82" charset="0"/>
-              </a:rPr>
-              <a:t>Optimisations</a:t>
-            </a:r>
-            <a:endParaRPr lang="fr-FR" dirty="0">
-              <a:latin typeface="Bauhaus 93" pitchFamily="82" charset="0"/>
-            </a:endParaRPr>
-          </a:p>
-        </p:txBody>
-      </p:sp>
-      <p:sp>
-        <p:nvSpPr>
-          <p:cNvPr id="5" name="Sous-titre 2"/>
-          <p:cNvSpPr txBox="1">
-            <a:spLocks/>
-          </p:cNvSpPr>
-          <p:nvPr/>
-        </p:nvSpPr>
-        <p:spPr>
-          <a:xfrm>
-            <a:off x="19882" y="2276872"/>
-            <a:ext cx="9144000" cy="4581128"/>
-          </a:xfrm>
-          <a:prstGeom prst="rect">
-            <a:avLst/>
-          </a:prstGeom>
-        </p:spPr>
-        <p:txBody>
-          <a:bodyPr vert="horz" lIns="91440" tIns="45720" rIns="91440" bIns="45720" rtlCol="0">
-            <a:normAutofit/>
-          </a:bodyPr>
-          <a:lstStyle>
-            <a:lvl1pPr marL="342900" indent="-342900" algn="l" defTabSz="914400" rtl="0" eaLnBrk="1" latinLnBrk="0" hangingPunct="1">
-              <a:spcBef>
-                <a:spcPct val="20000"/>
-              </a:spcBef>
-              <a:buFont typeface="Arial" pitchFamily="34" charset="0"/>
-              <a:buChar char="•"/>
-              <a:defRPr sz="3200" kern="1200">
-                <a:solidFill>
-                  <a:schemeClr val="tx1"/>
-                </a:solidFill>
-                <a:latin typeface="+mn-lt"/>
-                <a:ea typeface="+mn-ea"/>
-                <a:cs typeface="+mn-cs"/>
-              </a:defRPr>
-            </a:lvl1pPr>
-            <a:lvl2pPr marL="742950" indent="-285750" algn="l" defTabSz="914400" rtl="0" eaLnBrk="1" latinLnBrk="0" hangingPunct="1">
-              <a:spcBef>
-                <a:spcPct val="20000"/>
-              </a:spcBef>
-              <a:buFont typeface="Arial" pitchFamily="34" charset="0"/>
-              <a:buChar char="–"/>
-              <a:defRPr sz="2800" kern="1200">
-                <a:solidFill>
-                  <a:schemeClr val="tx1"/>
-                </a:solidFill>
-                <a:latin typeface="+mn-lt"/>
-                <a:ea typeface="+mn-ea"/>
-                <a:cs typeface="+mn-cs"/>
-              </a:defRPr>
-            </a:lvl2pPr>
-            <a:lvl3pPr marL="1143000" indent="-228600" algn="l" defTabSz="914400" rtl="0" eaLnBrk="1" latinLnBrk="0" hangingPunct="1">
-              <a:spcBef>
-                <a:spcPct val="20000"/>
-              </a:spcBef>
-              <a:buFont typeface="Arial" pitchFamily="34" charset="0"/>
-              <a:buChar char="•"/>
-              <a:defRPr sz="2400" kern="1200">
-                <a:solidFill>
-                  <a:schemeClr val="tx1"/>
-                </a:solidFill>
-                <a:latin typeface="+mn-lt"/>
-                <a:ea typeface="+mn-ea"/>
-                <a:cs typeface="+mn-cs"/>
-              </a:defRPr>
-            </a:lvl3pPr>
-            <a:lvl4pPr marL="1600200" indent="-228600" algn="l" defTabSz="914400" rtl="0" eaLnBrk="1" latinLnBrk="0" hangingPunct="1">
-              <a:spcBef>
-                <a:spcPct val="20000"/>
-              </a:spcBef>
-              <a:buFont typeface="Arial" pitchFamily="34" charset="0"/>
-              <a:buChar char="–"/>
-              <a:defRPr sz="2000" kern="1200">
-                <a:solidFill>
-                  <a:schemeClr val="tx1"/>
-                </a:solidFill>
-                <a:latin typeface="+mn-lt"/>
-                <a:ea typeface="+mn-ea"/>
-                <a:cs typeface="+mn-cs"/>
-              </a:defRPr>
-            </a:lvl4pPr>
-            <a:lvl5pPr marL="2057400" indent="-228600" algn="l" defTabSz="914400" rtl="0" eaLnBrk="1" latinLnBrk="0" hangingPunct="1">
-              <a:spcBef>
-                <a:spcPct val="20000"/>
-              </a:spcBef>
-              <a:buFont typeface="Arial" pitchFamily="34" charset="0"/>
-              <a:buChar char="»"/>
-              <a:defRPr sz="2000" kern="1200">
-                <a:solidFill>
-                  <a:schemeClr val="tx1"/>
-                </a:solidFill>
-                <a:latin typeface="+mn-lt"/>
-                <a:ea typeface="+mn-ea"/>
-                <a:cs typeface="+mn-cs"/>
-              </a:defRPr>
-            </a:lvl5pPr>
-            <a:lvl6pPr marL="2514600" indent="-228600" algn="l" defTabSz="914400" rtl="0" eaLnBrk="1" latinLnBrk="0" hangingPunct="1">
-              <a:spcBef>
-                <a:spcPct val="20000"/>
-              </a:spcBef>
-              <a:buFont typeface="Arial" pitchFamily="34" charset="0"/>
-              <a:buChar char="•"/>
-              <a:defRPr sz="2000" kern="1200">
-                <a:solidFill>
-                  <a:schemeClr val="tx1"/>
-                </a:solidFill>
-                <a:latin typeface="+mn-lt"/>
-                <a:ea typeface="+mn-ea"/>
-                <a:cs typeface="+mn-cs"/>
-              </a:defRPr>
-            </a:lvl6pPr>
-            <a:lvl7pPr marL="2971800" indent="-228600" algn="l" defTabSz="914400" rtl="0" eaLnBrk="1" latinLnBrk="0" hangingPunct="1">
-              <a:spcBef>
-                <a:spcPct val="20000"/>
-              </a:spcBef>
-              <a:buFont typeface="Arial" pitchFamily="34" charset="0"/>
-              <a:buChar char="•"/>
-              <a:defRPr sz="2000" kern="1200">
-                <a:solidFill>
-                  <a:schemeClr val="tx1"/>
-                </a:solidFill>
-                <a:latin typeface="+mn-lt"/>
-                <a:ea typeface="+mn-ea"/>
-                <a:cs typeface="+mn-cs"/>
-              </a:defRPr>
-            </a:lvl7pPr>
-            <a:lvl8pPr marL="3429000" indent="-228600" algn="l" defTabSz="914400" rtl="0" eaLnBrk="1" latinLnBrk="0" hangingPunct="1">
-              <a:spcBef>
-                <a:spcPct val="20000"/>
-              </a:spcBef>
-              <a:buFont typeface="Arial" pitchFamily="34" charset="0"/>
-              <a:buChar char="•"/>
-              <a:defRPr sz="2000" kern="1200">
-                <a:solidFill>
-                  <a:schemeClr val="tx1"/>
-                </a:solidFill>
-                <a:latin typeface="+mn-lt"/>
-                <a:ea typeface="+mn-ea"/>
-                <a:cs typeface="+mn-cs"/>
-              </a:defRPr>
-            </a:lvl8pPr>
-            <a:lvl9pPr marL="3886200" indent="-228600" algn="l" defTabSz="914400" rtl="0" eaLnBrk="1" latinLnBrk="0" hangingPunct="1">
-              <a:spcBef>
-                <a:spcPct val="20000"/>
-              </a:spcBef>
-              <a:buFont typeface="Arial" pitchFamily="34" charset="0"/>
-              <a:buChar char="•"/>
-              <a:defRPr sz="2000" kern="1200">
-                <a:solidFill>
-                  <a:schemeClr val="tx1"/>
-                </a:solidFill>
-                <a:latin typeface="+mn-lt"/>
-                <a:ea typeface="+mn-ea"/>
-                <a:cs typeface="+mn-cs"/>
-              </a:defRPr>
-            </a:lvl9pPr>
-          </a:lstStyle>
-          <a:p>
-            <a:r>
-              <a:rPr lang="fr-FR" dirty="0" smtClean="0">
-                <a:latin typeface="Gill Sans MT" pitchFamily="34" charset="0"/>
-              </a:rPr>
-              <a:t>Déplacement (Translation) Rotation « à la main »</a:t>
-            </a:r>
-          </a:p>
-          <a:p>
-            <a:r>
-              <a:rPr lang="fr-FR" dirty="0" smtClean="0">
-                <a:latin typeface="Gill Sans MT" pitchFamily="34" charset="0"/>
-              </a:rPr>
-              <a:t>Zéro </a:t>
-            </a:r>
-            <a:r>
-              <a:rPr lang="fr-FR" dirty="0" err="1" smtClean="0">
-                <a:latin typeface="Gill Sans MT" pitchFamily="34" charset="0"/>
-              </a:rPr>
-              <a:t>GetComponent</a:t>
-            </a:r>
-            <a:r>
-              <a:rPr lang="fr-FR" dirty="0" smtClean="0">
-                <a:latin typeface="Gill Sans MT" pitchFamily="34" charset="0"/>
-              </a:rPr>
-              <a:t> (ou presque …)</a:t>
-            </a:r>
-          </a:p>
-          <a:p>
-            <a:r>
-              <a:rPr lang="fr-FR" dirty="0" smtClean="0">
-                <a:latin typeface="Gill Sans MT" pitchFamily="34" charset="0"/>
-              </a:rPr>
-              <a:t>Zéro </a:t>
-            </a:r>
-            <a:r>
-              <a:rPr lang="fr-FR" dirty="0" err="1" smtClean="0">
-                <a:latin typeface="Gill Sans MT" pitchFamily="34" charset="0"/>
-              </a:rPr>
-              <a:t>Instanciate</a:t>
-            </a:r>
-            <a:endParaRPr lang="fr-FR" dirty="0" smtClean="0">
-              <a:latin typeface="Gill Sans MT" pitchFamily="34" charset="0"/>
-            </a:endParaRPr>
-          </a:p>
-          <a:p>
-            <a:r>
-              <a:rPr lang="fr-FR" dirty="0" smtClean="0">
-                <a:latin typeface="Gill Sans MT" pitchFamily="34" charset="0"/>
-              </a:rPr>
-              <a:t>Peu de physique (Seulement Trigger </a:t>
-            </a:r>
-            <a:r>
-              <a:rPr lang="fr-FR" dirty="0" err="1" smtClean="0">
-                <a:latin typeface="Gill Sans MT" pitchFamily="34" charset="0"/>
-              </a:rPr>
-              <a:t>Collider</a:t>
-            </a:r>
-            <a:r>
-              <a:rPr lang="fr-FR" dirty="0" smtClean="0">
-                <a:latin typeface="Gill Sans MT" pitchFamily="34" charset="0"/>
-              </a:rPr>
-              <a:t>)</a:t>
-            </a:r>
-          </a:p>
-          <a:p>
-            <a:r>
-              <a:rPr lang="fr-FR" dirty="0" smtClean="0">
-                <a:latin typeface="Gill Sans MT" pitchFamily="34" charset="0"/>
-              </a:rPr>
-              <a:t>Positionnement de combat « pré-calculé »</a:t>
-            </a:r>
-          </a:p>
-          <a:p>
-            <a:pPr lvl="1"/>
-            <a:r>
-              <a:rPr lang="fr-FR" dirty="0" smtClean="0">
-                <a:latin typeface="Gill Sans MT" pitchFamily="34" charset="0"/>
-              </a:rPr>
-              <a:t>6 emplacements par golems</a:t>
-            </a:r>
-          </a:p>
-          <a:p>
-            <a:pPr lvl="1"/>
-            <a:r>
-              <a:rPr lang="fr-FR" dirty="0" smtClean="0">
-                <a:latin typeface="Gill Sans MT" pitchFamily="34" charset="0"/>
-              </a:rPr>
-              <a:t>En fonction du « _</a:t>
-            </a:r>
-            <a:r>
-              <a:rPr lang="fr-FR" dirty="0" err="1" smtClean="0">
-                <a:latin typeface="Gill Sans MT" pitchFamily="34" charset="0"/>
-              </a:rPr>
-              <a:t>transform.forward</a:t>
-            </a:r>
-            <a:r>
-              <a:rPr lang="fr-FR" dirty="0" smtClean="0">
-                <a:latin typeface="Gill Sans MT" pitchFamily="34" charset="0"/>
-              </a:rPr>
-              <a:t> » du Golem</a:t>
-            </a:r>
-          </a:p>
-          <a:p>
-            <a:pPr lvl="1"/>
-            <a:r>
-              <a:rPr lang="fr-FR" dirty="0" smtClean="0">
-                <a:latin typeface="Gill Sans MT" pitchFamily="34" charset="0"/>
-              </a:rPr>
-              <a:t>Merci </a:t>
-            </a:r>
-            <a:r>
-              <a:rPr lang="fr-FR" dirty="0" err="1" smtClean="0">
-                <a:latin typeface="Gill Sans MT" pitchFamily="34" charset="0"/>
-              </a:rPr>
-              <a:t>Mister</a:t>
-            </a:r>
-            <a:r>
-              <a:rPr lang="fr-FR" dirty="0" smtClean="0">
-                <a:latin typeface="Gill Sans MT" pitchFamily="34" charset="0"/>
-              </a:rPr>
-              <a:t> </a:t>
-            </a:r>
-            <a:r>
-              <a:rPr lang="fr-FR" dirty="0" err="1" smtClean="0">
-                <a:latin typeface="Gill Sans MT" pitchFamily="34" charset="0"/>
-              </a:rPr>
-              <a:t>Azoug</a:t>
-            </a:r>
-            <a:r>
-              <a:rPr lang="fr-FR" dirty="0" smtClean="0">
-                <a:latin typeface="Gill Sans MT" pitchFamily="34" charset="0"/>
-              </a:rPr>
-              <a:t> pour la formule magique</a:t>
-            </a:r>
-          </a:p>
-          <a:p>
-            <a:endParaRPr lang="fr-FR" dirty="0" smtClean="0">
-              <a:latin typeface="Gill Sans MT" pitchFamily="34" charset="0"/>
-            </a:endParaRPr>
-          </a:p>
-          <a:p>
-            <a:endParaRPr lang="fr-FR" dirty="0" smtClean="0">
-              <a:latin typeface="Gill Sans MT" pitchFamily="34" charset="0"/>
-            </a:endParaRPr>
-          </a:p>
-          <a:p>
-            <a:endParaRPr lang="fr-FR" dirty="0">
-              <a:latin typeface="Gill Sans MT" pitchFamily="34" charset="0"/>
-            </a:endParaRPr>
-          </a:p>
-        </p:txBody>
-      </p:sp>
+      </p:pic>
     </p:spTree>
     <p:extLst>
       <p:ext uri="{BB962C8B-B14F-4D97-AF65-F5344CB8AC3E}">
-        <p14:creationId xmlns:p14="http://schemas.microsoft.com/office/powerpoint/2010/main" val="1028965361"/>
+        <p14:creationId xmlns:p14="http://schemas.microsoft.com/office/powerpoint/2010/main" val="1205258986"/>
       </p:ext>
     </p:extLst>
   </p:cSld>
@@ -5486,47 +4827,6 @@
           <a:chExt cx="0" cy="0"/>
         </a:xfrm>
       </p:grpSpPr>
-      <p:pic>
-        <p:nvPicPr>
-          <p:cNvPr id="3074" name="Picture 2" descr="C:\Dossier Magik\Projet\Battle\_src\PPT\src\battle_overview.png"/>
-          <p:cNvPicPr>
-            <a:picLocks noChangeAspect="1" noChangeArrowheads="1"/>
-          </p:cNvPicPr>
-          <p:nvPr/>
-        </p:nvPicPr>
-        <p:blipFill>
-          <a:blip r:embed="rId2">
-            <a:extLst>
-              <a:ext uri="{28A0092B-C50C-407E-A947-70E740481C1C}">
-                <a14:useLocalDpi xmlns:a14="http://schemas.microsoft.com/office/drawing/2010/main" val="0"/>
-              </a:ext>
-            </a:extLst>
-          </a:blip>
-          <a:srcRect/>
-          <a:stretch>
-            <a:fillRect/>
-          </a:stretch>
-        </p:blipFill>
-        <p:spPr bwMode="auto">
-          <a:xfrm>
-            <a:off x="104348" y="116632"/>
-            <a:ext cx="8975067" cy="5040560"/>
-          </a:xfrm>
-          <a:prstGeom prst="rect">
-            <a:avLst/>
-          </a:prstGeom>
-          <a:noFill/>
-          <a:extLst>
-            <a:ext uri="{909E8E84-426E-40DD-AFC4-6F175D3DCCD1}">
-              <a14:hiddenFill xmlns:a14="http://schemas.microsoft.com/office/drawing/2010/main">
-                <a:solidFill>
-                  <a:srgbClr val="FFFFFF"/>
-                </a:solidFill>
-              </a14:hiddenFill>
-            </a:ext>
-          </a:extLst>
-        </p:spPr>
-      </p:pic>
       <p:sp>
         <p:nvSpPr>
           <p:cNvPr id="4" name="Titre 1"/>
@@ -5569,7 +4869,7 @@
               <a:rPr lang="fr-FR" dirty="0" smtClean="0">
                 <a:latin typeface="Bauhaus 93" pitchFamily="82" charset="0"/>
               </a:rPr>
-              <a:t>I.A</a:t>
+              <a:t>Version Génétique</a:t>
             </a:r>
             <a:endParaRPr lang="fr-FR" dirty="0">
               <a:latin typeface="Bauhaus 93" pitchFamily="82" charset="0"/>
@@ -5749,7 +5049,7 @@
       </p:sp>
       <p:sp>
         <p:nvSpPr>
-          <p:cNvPr id="7" name="Sous-titre 2"/>
+          <p:cNvPr id="6" name="Sous-titre 2"/>
           <p:cNvSpPr txBox="1">
             <a:spLocks/>
           </p:cNvSpPr>
@@ -5757,8 +5057,8 @@
         </p:nvSpPr>
         <p:spPr>
           <a:xfrm>
-            <a:off x="104043" y="3420616"/>
-            <a:ext cx="9144000" cy="3392760"/>
+            <a:off x="172282" y="2213248"/>
+            <a:ext cx="9144000" cy="4644752"/>
           </a:xfrm>
           <a:prstGeom prst="rect">
             <a:avLst/>
@@ -5766,7 +5066,7 @@
         </p:spPr>
         <p:txBody>
           <a:bodyPr vert="horz" lIns="91440" tIns="45720" rIns="91440" bIns="45720" rtlCol="0">
-            <a:normAutofit/>
+            <a:normAutofit fontScale="92500" lnSpcReduction="10000"/>
           </a:bodyPr>
           <a:lstStyle>
             <a:lvl1pPr marL="342900" indent="-342900" algn="l" defTabSz="914400" rtl="0" eaLnBrk="1" latinLnBrk="0" hangingPunct="1">
@@ -5910,36 +5210,41 @@
               <a:rPr lang="fr-FR" dirty="0" smtClean="0">
                 <a:latin typeface="Gill Sans MT" pitchFamily="34" charset="0"/>
               </a:rPr>
-              <a:t>Fonctionne par « Evènements » </a:t>
-            </a:r>
+              <a:t>Groupes de cubes</a:t>
+            </a:r>
+            <a:endParaRPr lang="fr-FR" dirty="0" smtClean="0">
+              <a:latin typeface="Gill Sans MT" pitchFamily="34" charset="0"/>
+            </a:endParaRPr>
           </a:p>
           <a:p>
             <a:r>
               <a:rPr lang="fr-FR" dirty="0" smtClean="0">
                 <a:latin typeface="Gill Sans MT" pitchFamily="34" charset="0"/>
               </a:rPr>
-              <a:t>Règles simple</a:t>
-            </a:r>
+              <a:t>Paramétrable</a:t>
+            </a:r>
+            <a:endParaRPr lang="fr-FR" dirty="0" smtClean="0">
+              <a:latin typeface="Gill Sans MT" pitchFamily="34" charset="0"/>
+            </a:endParaRPr>
           </a:p>
           <a:p>
             <a:r>
               <a:rPr lang="fr-FR" dirty="0" smtClean="0">
                 <a:latin typeface="Gill Sans MT" pitchFamily="34" charset="0"/>
               </a:rPr>
-              <a:t>« </a:t>
-            </a:r>
-            <a:r>
-              <a:rPr lang="fr-FR" dirty="0" err="1" smtClean="0">
-                <a:latin typeface="Gill Sans MT" pitchFamily="34" charset="0"/>
-              </a:rPr>
-              <a:t>RectRestriction</a:t>
-            </a:r>
+              <a:t>Changement d’image dynamique</a:t>
+            </a:r>
+          </a:p>
+          <a:p>
             <a:r>
               <a:rPr lang="fr-FR" dirty="0" smtClean="0">
                 <a:latin typeface="Gill Sans MT" pitchFamily="34" charset="0"/>
               </a:rPr>
-              <a:t> » pour les déplacement aléatoire</a:t>
-            </a:r>
+              <a:t>Matrice (génome)</a:t>
+            </a:r>
+            <a:endParaRPr lang="fr-FR" dirty="0" smtClean="0">
+              <a:latin typeface="Gill Sans MT" pitchFamily="34" charset="0"/>
+            </a:endParaRPr>
           </a:p>
           <a:p>
             <a:pPr lvl="1"/>
@@ -5947,7 +5252,7 @@
               <a:rPr lang="fr-FR" dirty="0" smtClean="0">
                 <a:latin typeface="Gill Sans MT" pitchFamily="34" charset="0"/>
               </a:rPr>
-              <a:t>Limite la zone dans laquelle les golems se déplace</a:t>
+              <a:t>Plus de 32000 possibilité</a:t>
             </a:r>
           </a:p>
           <a:p>
@@ -5956,17 +5261,50 @@
               <a:rPr lang="fr-FR" dirty="0" smtClean="0">
                 <a:latin typeface="Gill Sans MT" pitchFamily="34" charset="0"/>
               </a:rPr>
-              <a:t>Augmente au « Start » pour chaque golem</a:t>
-            </a:r>
-          </a:p>
-          <a:p>
-            <a:pPr lvl="1"/>
+              <a:t>Pré calculé</a:t>
+            </a:r>
+            <a:endParaRPr lang="fr-FR" dirty="0" smtClean="0">
+              <a:latin typeface="Gill Sans MT" pitchFamily="34" charset="0"/>
+            </a:endParaRPr>
+          </a:p>
+          <a:p>
             <a:r>
               <a:rPr lang="fr-FR" dirty="0" smtClean="0">
                 <a:latin typeface="Gill Sans MT" pitchFamily="34" charset="0"/>
               </a:rPr>
-              <a:t>Réduit à chaque mort de golem</a:t>
-            </a:r>
+              <a:t>Génétique</a:t>
+            </a:r>
+          </a:p>
+          <a:p>
+            <a:pPr lvl="1"/>
+            <a:r>
+              <a:rPr lang="fr-FR" dirty="0" smtClean="0">
+                <a:latin typeface="Gill Sans MT" pitchFamily="34" charset="0"/>
+              </a:rPr>
+              <a:t>Population autorégulé</a:t>
+            </a:r>
+          </a:p>
+          <a:p>
+            <a:pPr lvl="1"/>
+            <a:r>
+              <a:rPr lang="fr-FR" dirty="0" smtClean="0">
+                <a:latin typeface="Gill Sans MT" pitchFamily="34" charset="0"/>
+              </a:rPr>
+              <a:t>Croisement / Mutation</a:t>
+            </a:r>
+            <a:endParaRPr lang="fr-FR" dirty="0" smtClean="0">
+              <a:latin typeface="Gill Sans MT" pitchFamily="34" charset="0"/>
+            </a:endParaRPr>
+          </a:p>
+          <a:p>
+            <a:pPr marL="0" indent="0">
+              <a:buNone/>
+            </a:pPr>
+            <a:endParaRPr lang="fr-FR" dirty="0" smtClean="0">
+              <a:latin typeface="Gill Sans MT" pitchFamily="34" charset="0"/>
+            </a:endParaRPr>
+          </a:p>
+          <a:p>
             <a:endParaRPr lang="fr-FR" dirty="0">
               <a:latin typeface="Gill Sans MT" pitchFamily="34" charset="0"/>
             </a:endParaRPr>
@@ -6012,7 +5350,7 @@
       </p:grpSpPr>
       <p:sp>
         <p:nvSpPr>
-          <p:cNvPr id="4" name="Sous-titre 2"/>
+          <p:cNvPr id="5" name="Titre 1"/>
           <p:cNvSpPr txBox="1">
             <a:spLocks/>
           </p:cNvSpPr>
@@ -6020,225 +5358,308 @@
         </p:nvSpPr>
         <p:spPr>
           <a:xfrm>
-            <a:off x="83768" y="332656"/>
-            <a:ext cx="9144000" cy="3392760"/>
+            <a:off x="683568" y="260648"/>
+            <a:ext cx="7772400" cy="1470025"/>
           </a:xfrm>
           <a:prstGeom prst="rect">
             <a:avLst/>
           </a:prstGeom>
         </p:spPr>
         <p:txBody>
-          <a:bodyPr vert="horz" lIns="91440" tIns="45720" rIns="91440" bIns="45720" rtlCol="0">
+          <a:bodyPr vert="horz" lIns="91440" tIns="45720" rIns="91440" bIns="45720" rtlCol="0" anchor="ctr">
             <a:normAutofit/>
           </a:bodyPr>
           <a:lstStyle>
-            <a:lvl1pPr marL="342900" indent="-342900" algn="l" defTabSz="914400" rtl="0" eaLnBrk="1" latinLnBrk="0" hangingPunct="1">
-              <a:spcBef>
-                <a:spcPct val="20000"/>
-              </a:spcBef>
-              <a:buFont typeface="Arial" pitchFamily="34" charset="0"/>
-              <a:buChar char="•"/>
-              <a:defRPr sz="3200" kern="1200">
-                <a:solidFill>
-                  <a:schemeClr val="tx1"/>
-                </a:solidFill>
-                <a:latin typeface="+mn-lt"/>
-                <a:ea typeface="+mn-ea"/>
-                <a:cs typeface="+mn-cs"/>
+            <a:lvl1pPr algn="ctr" defTabSz="914400" rtl="0" eaLnBrk="1" latinLnBrk="0" hangingPunct="1">
+              <a:spcBef>
+                <a:spcPct val="0"/>
+              </a:spcBef>
+              <a:buNone/>
+              <a:defRPr sz="4400" kern="1200">
+                <a:solidFill>
+                  <a:schemeClr val="tx1"/>
+                </a:solidFill>
+                <a:latin typeface="+mj-lt"/>
+                <a:ea typeface="+mj-ea"/>
+                <a:cs typeface="+mj-cs"/>
               </a:defRPr>
             </a:lvl1pPr>
-            <a:lvl2pPr marL="742950" indent="-285750" algn="l" defTabSz="914400" rtl="0" eaLnBrk="1" latinLnBrk="0" hangingPunct="1">
-              <a:spcBef>
-                <a:spcPct val="20000"/>
-              </a:spcBef>
-              <a:buFont typeface="Arial" pitchFamily="34" charset="0"/>
-              <a:buChar char="–"/>
-              <a:defRPr sz="2800" kern="1200">
-                <a:solidFill>
-                  <a:schemeClr val="tx1"/>
-                </a:solidFill>
-                <a:latin typeface="+mn-lt"/>
-                <a:ea typeface="+mn-ea"/>
-                <a:cs typeface="+mn-cs"/>
-              </a:defRPr>
-            </a:lvl2pPr>
-            <a:lvl3pPr marL="1143000" indent="-228600" algn="l" defTabSz="914400" rtl="0" eaLnBrk="1" latinLnBrk="0" hangingPunct="1">
-              <a:spcBef>
-                <a:spcPct val="20000"/>
-              </a:spcBef>
-              <a:buFont typeface="Arial" pitchFamily="34" charset="0"/>
-              <a:buChar char="•"/>
-              <a:defRPr sz="2400" kern="1200">
-                <a:solidFill>
-                  <a:schemeClr val="tx1"/>
-                </a:solidFill>
-                <a:latin typeface="+mn-lt"/>
-                <a:ea typeface="+mn-ea"/>
-                <a:cs typeface="+mn-cs"/>
-              </a:defRPr>
-            </a:lvl3pPr>
-            <a:lvl4pPr marL="1600200" indent="-228600" algn="l" defTabSz="914400" rtl="0" eaLnBrk="1" latinLnBrk="0" hangingPunct="1">
-              <a:spcBef>
-                <a:spcPct val="20000"/>
-              </a:spcBef>
-              <a:buFont typeface="Arial" pitchFamily="34" charset="0"/>
-              <a:buChar char="–"/>
-              <a:defRPr sz="2000" kern="1200">
-                <a:solidFill>
-                  <a:schemeClr val="tx1"/>
-                </a:solidFill>
-                <a:latin typeface="+mn-lt"/>
-                <a:ea typeface="+mn-ea"/>
-                <a:cs typeface="+mn-cs"/>
-              </a:defRPr>
-            </a:lvl4pPr>
-            <a:lvl5pPr marL="2057400" indent="-228600" algn="l" defTabSz="914400" rtl="0" eaLnBrk="1" latinLnBrk="0" hangingPunct="1">
-              <a:spcBef>
-                <a:spcPct val="20000"/>
-              </a:spcBef>
-              <a:buFont typeface="Arial" pitchFamily="34" charset="0"/>
-              <a:buChar char="»"/>
-              <a:defRPr sz="2000" kern="1200">
-                <a:solidFill>
-                  <a:schemeClr val="tx1"/>
-                </a:solidFill>
-                <a:latin typeface="+mn-lt"/>
-                <a:ea typeface="+mn-ea"/>
-                <a:cs typeface="+mn-cs"/>
-              </a:defRPr>
-            </a:lvl5pPr>
-            <a:lvl6pPr marL="2514600" indent="-228600" algn="l" defTabSz="914400" rtl="0" eaLnBrk="1" latinLnBrk="0" hangingPunct="1">
-              <a:spcBef>
-                <a:spcPct val="20000"/>
-              </a:spcBef>
-              <a:buFont typeface="Arial" pitchFamily="34" charset="0"/>
-              <a:buChar char="•"/>
-              <a:defRPr sz="2000" kern="1200">
-                <a:solidFill>
-                  <a:schemeClr val="tx1"/>
-                </a:solidFill>
-                <a:latin typeface="+mn-lt"/>
-                <a:ea typeface="+mn-ea"/>
-                <a:cs typeface="+mn-cs"/>
-              </a:defRPr>
-            </a:lvl6pPr>
-            <a:lvl7pPr marL="2971800" indent="-228600" algn="l" defTabSz="914400" rtl="0" eaLnBrk="1" latinLnBrk="0" hangingPunct="1">
-              <a:spcBef>
-                <a:spcPct val="20000"/>
-              </a:spcBef>
-              <a:buFont typeface="Arial" pitchFamily="34" charset="0"/>
-              <a:buChar char="•"/>
-              <a:defRPr sz="2000" kern="1200">
-                <a:solidFill>
-                  <a:schemeClr val="tx1"/>
-                </a:solidFill>
-                <a:latin typeface="+mn-lt"/>
-                <a:ea typeface="+mn-ea"/>
-                <a:cs typeface="+mn-cs"/>
-              </a:defRPr>
-            </a:lvl7pPr>
-            <a:lvl8pPr marL="3429000" indent="-228600" algn="l" defTabSz="914400" rtl="0" eaLnBrk="1" latinLnBrk="0" hangingPunct="1">
-              <a:spcBef>
-                <a:spcPct val="20000"/>
-              </a:spcBef>
-              <a:buFont typeface="Arial" pitchFamily="34" charset="0"/>
-              <a:buChar char="•"/>
-              <a:defRPr sz="2000" kern="1200">
-                <a:solidFill>
-                  <a:schemeClr val="tx1"/>
-                </a:solidFill>
-                <a:latin typeface="+mn-lt"/>
-                <a:ea typeface="+mn-ea"/>
-                <a:cs typeface="+mn-cs"/>
-              </a:defRPr>
-            </a:lvl8pPr>
-            <a:lvl9pPr marL="3886200" indent="-228600" algn="l" defTabSz="914400" rtl="0" eaLnBrk="1" latinLnBrk="0" hangingPunct="1">
-              <a:spcBef>
-                <a:spcPct val="20000"/>
-              </a:spcBef>
-              <a:buFont typeface="Arial" pitchFamily="34" charset="0"/>
-              <a:buChar char="•"/>
-              <a:defRPr sz="2000" kern="1200">
-                <a:solidFill>
-                  <a:schemeClr val="tx1"/>
-                </a:solidFill>
-                <a:latin typeface="+mn-lt"/>
-                <a:ea typeface="+mn-ea"/>
-                <a:cs typeface="+mn-cs"/>
-              </a:defRPr>
-            </a:lvl9pPr>
           </a:lstStyle>
           <a:p>
             <a:r>
-              <a:rPr lang="fr-FR" sz="2800" b="1" dirty="0" smtClean="0">
-                <a:latin typeface="Gill Sans MT" pitchFamily="34" charset="0"/>
-              </a:rPr>
-              <a:t>&lt;Vector3&gt; </a:t>
-            </a:r>
-            <a:r>
-              <a:rPr lang="fr-FR" sz="2800" b="1" dirty="0" err="1" smtClean="0">
-                <a:solidFill>
-                  <a:schemeClr val="accent6">
-                    <a:lumMod val="75000"/>
-                  </a:schemeClr>
-                </a:solidFill>
-                <a:latin typeface="Gill Sans MT" pitchFamily="34" charset="0"/>
-              </a:rPr>
-              <a:t>getBattlePosition</a:t>
-            </a:r>
-            <a:r>
-              <a:rPr lang="fr-FR" sz="2800" b="1" dirty="0" smtClean="0">
-                <a:latin typeface="Gill Sans MT" pitchFamily="34" charset="0"/>
-              </a:rPr>
-              <a:t>()</a:t>
-            </a:r>
-            <a:endParaRPr lang="fr-FR" sz="2800" b="1" dirty="0">
-              <a:latin typeface="Gill Sans MT" pitchFamily="34" charset="0"/>
+              <a:rPr lang="fr-FR" dirty="0" smtClean="0">
+                <a:latin typeface="Bauhaus 93" pitchFamily="82" charset="0"/>
+              </a:rPr>
+              <a:t>Les Entités</a:t>
+            </a:r>
+            <a:endParaRPr lang="fr-FR" dirty="0">
+              <a:latin typeface="Bauhaus 93" pitchFamily="82" charset="0"/>
             </a:endParaRPr>
           </a:p>
         </p:txBody>
       </p:sp>
-      <p:pic>
-        <p:nvPicPr>
-          <p:cNvPr id="4098" name="Picture 2" descr="C:\Dossier Magik\Projet\Battle\_src\PPT\src\battlePosition.png"/>
-          <p:cNvPicPr>
-            <a:picLocks noChangeAspect="1" noChangeArrowheads="1"/>
-          </p:cNvPicPr>
+      <p:sp>
+        <p:nvSpPr>
+          <p:cNvPr id="6" name="Sous-titre 2"/>
+          <p:cNvSpPr txBox="1">
+            <a:spLocks/>
+          </p:cNvSpPr>
           <p:nvPr/>
-        </p:nvPicPr>
-        <p:blipFill>
-          <a:blip r:embed="rId2">
-            <a:extLst>
-              <a:ext uri="{28A0092B-C50C-407E-A947-70E740481C1C}">
-                <a14:useLocalDpi xmlns:a14="http://schemas.microsoft.com/office/drawing/2010/main" val="0"/>
-              </a:ext>
-            </a:extLst>
-          </a:blip>
-          <a:srcRect/>
-          <a:stretch>
-            <a:fillRect/>
-          </a:stretch>
-        </p:blipFill>
-        <p:spPr bwMode="auto">
+        </p:nvSpPr>
+        <p:spPr>
           <a:xfrm>
-            <a:off x="1316644" y="815436"/>
-            <a:ext cx="6068591" cy="6068591"/>
+            <a:off x="172282" y="2213248"/>
+            <a:ext cx="9144000" cy="4644752"/>
           </a:xfrm>
           <a:prstGeom prst="rect">
             <a:avLst/>
           </a:prstGeom>
-          <a:noFill/>
-          <a:extLst>
-            <a:ext uri="{909E8E84-426E-40DD-AFC4-6F175D3DCCD1}">
-              <a14:hiddenFill xmlns:a14="http://schemas.microsoft.com/office/drawing/2010/main">
-                <a:solidFill>
-                  <a:srgbClr val="FFFFFF"/>
-                </a:solidFill>
-              </a14:hiddenFill>
-            </a:ext>
-          </a:extLst>
         </p:spPr>
-      </p:pic>
+        <p:txBody>
+          <a:bodyPr vert="horz" lIns="91440" tIns="45720" rIns="91440" bIns="45720" rtlCol="0">
+            <a:normAutofit lnSpcReduction="10000"/>
+          </a:bodyPr>
+          <a:lstStyle>
+            <a:lvl1pPr marL="342900" indent="-342900" algn="l" defTabSz="914400" rtl="0" eaLnBrk="1" latinLnBrk="0" hangingPunct="1">
+              <a:spcBef>
+                <a:spcPct val="20000"/>
+              </a:spcBef>
+              <a:buFont typeface="Arial" pitchFamily="34" charset="0"/>
+              <a:buChar char="•"/>
+              <a:defRPr sz="3200" kern="1200">
+                <a:solidFill>
+                  <a:schemeClr val="tx1"/>
+                </a:solidFill>
+                <a:latin typeface="+mn-lt"/>
+                <a:ea typeface="+mn-ea"/>
+                <a:cs typeface="+mn-cs"/>
+              </a:defRPr>
+            </a:lvl1pPr>
+            <a:lvl2pPr marL="742950" indent="-285750" algn="l" defTabSz="914400" rtl="0" eaLnBrk="1" latinLnBrk="0" hangingPunct="1">
+              <a:spcBef>
+                <a:spcPct val="20000"/>
+              </a:spcBef>
+              <a:buFont typeface="Arial" pitchFamily="34" charset="0"/>
+              <a:buChar char="–"/>
+              <a:defRPr sz="2800" kern="1200">
+                <a:solidFill>
+                  <a:schemeClr val="tx1"/>
+                </a:solidFill>
+                <a:latin typeface="+mn-lt"/>
+                <a:ea typeface="+mn-ea"/>
+                <a:cs typeface="+mn-cs"/>
+              </a:defRPr>
+            </a:lvl2pPr>
+            <a:lvl3pPr marL="1143000" indent="-228600" algn="l" defTabSz="914400" rtl="0" eaLnBrk="1" latinLnBrk="0" hangingPunct="1">
+              <a:spcBef>
+                <a:spcPct val="20000"/>
+              </a:spcBef>
+              <a:buFont typeface="Arial" pitchFamily="34" charset="0"/>
+              <a:buChar char="•"/>
+              <a:defRPr sz="2400" kern="1200">
+                <a:solidFill>
+                  <a:schemeClr val="tx1"/>
+                </a:solidFill>
+                <a:latin typeface="+mn-lt"/>
+                <a:ea typeface="+mn-ea"/>
+                <a:cs typeface="+mn-cs"/>
+              </a:defRPr>
+            </a:lvl3pPr>
+            <a:lvl4pPr marL="1600200" indent="-228600" algn="l" defTabSz="914400" rtl="0" eaLnBrk="1" latinLnBrk="0" hangingPunct="1">
+              <a:spcBef>
+                <a:spcPct val="20000"/>
+              </a:spcBef>
+              <a:buFont typeface="Arial" pitchFamily="34" charset="0"/>
+              <a:buChar char="–"/>
+              <a:defRPr sz="2000" kern="1200">
+                <a:solidFill>
+                  <a:schemeClr val="tx1"/>
+                </a:solidFill>
+                <a:latin typeface="+mn-lt"/>
+                <a:ea typeface="+mn-ea"/>
+                <a:cs typeface="+mn-cs"/>
+              </a:defRPr>
+            </a:lvl4pPr>
+            <a:lvl5pPr marL="2057400" indent="-228600" algn="l" defTabSz="914400" rtl="0" eaLnBrk="1" latinLnBrk="0" hangingPunct="1">
+              <a:spcBef>
+                <a:spcPct val="20000"/>
+              </a:spcBef>
+              <a:buFont typeface="Arial" pitchFamily="34" charset="0"/>
+              <a:buChar char="»"/>
+              <a:defRPr sz="2000" kern="1200">
+                <a:solidFill>
+                  <a:schemeClr val="tx1"/>
+                </a:solidFill>
+                <a:latin typeface="+mn-lt"/>
+                <a:ea typeface="+mn-ea"/>
+                <a:cs typeface="+mn-cs"/>
+              </a:defRPr>
+            </a:lvl5pPr>
+            <a:lvl6pPr marL="2514600" indent="-228600" algn="l" defTabSz="914400" rtl="0" eaLnBrk="1" latinLnBrk="0" hangingPunct="1">
+              <a:spcBef>
+                <a:spcPct val="20000"/>
+              </a:spcBef>
+              <a:buFont typeface="Arial" pitchFamily="34" charset="0"/>
+              <a:buChar char="•"/>
+              <a:defRPr sz="2000" kern="1200">
+                <a:solidFill>
+                  <a:schemeClr val="tx1"/>
+                </a:solidFill>
+                <a:latin typeface="+mn-lt"/>
+                <a:ea typeface="+mn-ea"/>
+                <a:cs typeface="+mn-cs"/>
+              </a:defRPr>
+            </a:lvl6pPr>
+            <a:lvl7pPr marL="2971800" indent="-228600" algn="l" defTabSz="914400" rtl="0" eaLnBrk="1" latinLnBrk="0" hangingPunct="1">
+              <a:spcBef>
+                <a:spcPct val="20000"/>
+              </a:spcBef>
+              <a:buFont typeface="Arial" pitchFamily="34" charset="0"/>
+              <a:buChar char="•"/>
+              <a:defRPr sz="2000" kern="1200">
+                <a:solidFill>
+                  <a:schemeClr val="tx1"/>
+                </a:solidFill>
+                <a:latin typeface="+mn-lt"/>
+                <a:ea typeface="+mn-ea"/>
+                <a:cs typeface="+mn-cs"/>
+              </a:defRPr>
+            </a:lvl7pPr>
+            <a:lvl8pPr marL="3429000" indent="-228600" algn="l" defTabSz="914400" rtl="0" eaLnBrk="1" latinLnBrk="0" hangingPunct="1">
+              <a:spcBef>
+                <a:spcPct val="20000"/>
+              </a:spcBef>
+              <a:buFont typeface="Arial" pitchFamily="34" charset="0"/>
+              <a:buChar char="•"/>
+              <a:defRPr sz="2000" kern="1200">
+                <a:solidFill>
+                  <a:schemeClr val="tx1"/>
+                </a:solidFill>
+                <a:latin typeface="+mn-lt"/>
+                <a:ea typeface="+mn-ea"/>
+                <a:cs typeface="+mn-cs"/>
+              </a:defRPr>
+            </a:lvl8pPr>
+            <a:lvl9pPr marL="3886200" indent="-228600" algn="l" defTabSz="914400" rtl="0" eaLnBrk="1" latinLnBrk="0" hangingPunct="1">
+              <a:spcBef>
+                <a:spcPct val="20000"/>
+              </a:spcBef>
+              <a:buFont typeface="Arial" pitchFamily="34" charset="0"/>
+              <a:buChar char="•"/>
+              <a:defRPr sz="2000" kern="1200">
+                <a:solidFill>
+                  <a:schemeClr val="tx1"/>
+                </a:solidFill>
+                <a:latin typeface="+mn-lt"/>
+                <a:ea typeface="+mn-ea"/>
+                <a:cs typeface="+mn-cs"/>
+              </a:defRPr>
+            </a:lvl9pPr>
+          </a:lstStyle>
+          <a:p>
+            <a:r>
+              <a:rPr lang="fr-FR" dirty="0" smtClean="0">
+                <a:latin typeface="Gill Sans MT" pitchFamily="34" charset="0"/>
+              </a:rPr>
+              <a:t>Statistique</a:t>
+            </a:r>
+            <a:endParaRPr lang="fr-FR" dirty="0" smtClean="0">
+              <a:latin typeface="Gill Sans MT" pitchFamily="34" charset="0"/>
+            </a:endParaRPr>
+          </a:p>
+          <a:p>
+            <a:pPr lvl="1"/>
+            <a:r>
+              <a:rPr lang="fr-FR" dirty="0" smtClean="0">
+                <a:latin typeface="Gill Sans MT" pitchFamily="34" charset="0"/>
+              </a:rPr>
+              <a:t>Taille</a:t>
+            </a:r>
+            <a:endParaRPr lang="fr-FR" dirty="0" smtClean="0">
+              <a:latin typeface="Gill Sans MT" pitchFamily="34" charset="0"/>
+            </a:endParaRPr>
+          </a:p>
+          <a:p>
+            <a:pPr lvl="1"/>
+            <a:r>
+              <a:rPr lang="fr-FR" dirty="0" smtClean="0">
+                <a:latin typeface="Gill Sans MT" pitchFamily="34" charset="0"/>
+              </a:rPr>
+              <a:t>Matrice</a:t>
+            </a:r>
+          </a:p>
+          <a:p>
+            <a:pPr lvl="1"/>
+            <a:r>
+              <a:rPr lang="fr-FR" dirty="0" smtClean="0">
+                <a:latin typeface="Gill Sans MT" pitchFamily="34" charset="0"/>
+              </a:rPr>
+              <a:t>Vitesse</a:t>
+            </a:r>
+          </a:p>
+          <a:p>
+            <a:pPr lvl="1"/>
+            <a:r>
+              <a:rPr lang="fr-FR" dirty="0" smtClean="0">
+                <a:latin typeface="Gill Sans MT" pitchFamily="34" charset="0"/>
+              </a:rPr>
+              <a:t>Couleur</a:t>
+            </a:r>
+          </a:p>
+          <a:p>
+            <a:r>
+              <a:rPr lang="fr-FR" dirty="0" smtClean="0">
+                <a:latin typeface="Gill Sans MT" pitchFamily="34" charset="0"/>
+              </a:rPr>
+              <a:t>Actions</a:t>
+            </a:r>
+          </a:p>
+          <a:p>
+            <a:pPr lvl="1"/>
+            <a:r>
+              <a:rPr lang="fr-FR" dirty="0" smtClean="0">
+                <a:latin typeface="Gill Sans MT" pitchFamily="34" charset="0"/>
+              </a:rPr>
+              <a:t>Mutation</a:t>
+            </a:r>
+          </a:p>
+          <a:p>
+            <a:pPr lvl="1"/>
+            <a:r>
+              <a:rPr lang="fr-FR" dirty="0" smtClean="0">
+                <a:latin typeface="Gill Sans MT" pitchFamily="34" charset="0"/>
+              </a:rPr>
+              <a:t>Croisement XOR , AND</a:t>
+            </a:r>
+          </a:p>
+          <a:p>
+            <a:r>
+              <a:rPr lang="fr-FR" dirty="0" smtClean="0">
+                <a:latin typeface="Gill Sans MT" pitchFamily="34" charset="0"/>
+              </a:rPr>
+              <a:t>Catalogue prédéfini</a:t>
+            </a:r>
+          </a:p>
+          <a:p>
+            <a:endParaRPr lang="fr-FR" dirty="0" smtClean="0">
+              <a:latin typeface="Gill Sans MT" pitchFamily="34" charset="0"/>
+            </a:endParaRPr>
+          </a:p>
+          <a:p>
+            <a:pPr marL="0" indent="0">
+              <a:buNone/>
+            </a:pPr>
+            <a:endParaRPr lang="fr-FR" dirty="0" smtClean="0">
+              <a:latin typeface="Gill Sans MT" pitchFamily="34" charset="0"/>
+            </a:endParaRPr>
+          </a:p>
+          <a:p>
+            <a:endParaRPr lang="fr-FR" dirty="0">
+              <a:latin typeface="Gill Sans MT" pitchFamily="34" charset="0"/>
+            </a:endParaRPr>
+          </a:p>
+        </p:txBody>
+      </p:sp>
     </p:spTree>
     <p:extLst>
       <p:ext uri="{BB962C8B-B14F-4D97-AF65-F5344CB8AC3E}">
@@ -6278,7 +5699,7 @@
       </p:grpSpPr>
       <p:sp>
         <p:nvSpPr>
-          <p:cNvPr id="4" name="Sous-titre 2"/>
+          <p:cNvPr id="3" name="Titre 1"/>
           <p:cNvSpPr txBox="1">
             <a:spLocks/>
           </p:cNvSpPr>
@@ -6286,621 +5707,87 @@
         </p:nvSpPr>
         <p:spPr>
           <a:xfrm>
-            <a:off x="172282" y="404664"/>
-            <a:ext cx="9144000" cy="5985048"/>
+            <a:off x="683568" y="260648"/>
+            <a:ext cx="7772400" cy="1470025"/>
           </a:xfrm>
           <a:prstGeom prst="rect">
             <a:avLst/>
           </a:prstGeom>
         </p:spPr>
         <p:txBody>
-          <a:bodyPr vert="horz" lIns="91440" tIns="45720" rIns="91440" bIns="45720" rtlCol="0">
-            <a:noAutofit/>
+          <a:bodyPr vert="horz" lIns="91440" tIns="45720" rIns="91440" bIns="45720" rtlCol="0" anchor="ctr">
+            <a:normAutofit/>
           </a:bodyPr>
           <a:lstStyle>
-            <a:lvl1pPr marL="342900" indent="-342900" algn="l" defTabSz="914400" rtl="0" eaLnBrk="1" latinLnBrk="0" hangingPunct="1">
-              <a:spcBef>
-                <a:spcPct val="20000"/>
-              </a:spcBef>
-              <a:buFont typeface="Arial" pitchFamily="34" charset="0"/>
-              <a:buChar char="•"/>
-              <a:defRPr sz="3200" kern="1200">
-                <a:solidFill>
-                  <a:schemeClr val="tx1"/>
-                </a:solidFill>
-                <a:latin typeface="+mn-lt"/>
-                <a:ea typeface="+mn-ea"/>
-                <a:cs typeface="+mn-cs"/>
+            <a:lvl1pPr algn="ctr" defTabSz="914400" rtl="0" eaLnBrk="1" latinLnBrk="0" hangingPunct="1">
+              <a:spcBef>
+                <a:spcPct val="0"/>
+              </a:spcBef>
+              <a:buNone/>
+              <a:defRPr sz="4400" kern="1200">
+                <a:solidFill>
+                  <a:schemeClr val="tx1"/>
+                </a:solidFill>
+                <a:latin typeface="+mj-lt"/>
+                <a:ea typeface="+mj-ea"/>
+                <a:cs typeface="+mj-cs"/>
               </a:defRPr>
             </a:lvl1pPr>
-            <a:lvl2pPr marL="742950" indent="-285750" algn="l" defTabSz="914400" rtl="0" eaLnBrk="1" latinLnBrk="0" hangingPunct="1">
-              <a:spcBef>
-                <a:spcPct val="20000"/>
-              </a:spcBef>
-              <a:buFont typeface="Arial" pitchFamily="34" charset="0"/>
-              <a:buChar char="–"/>
-              <a:defRPr sz="2800" kern="1200">
-                <a:solidFill>
-                  <a:schemeClr val="tx1"/>
-                </a:solidFill>
-                <a:latin typeface="+mn-lt"/>
-                <a:ea typeface="+mn-ea"/>
-                <a:cs typeface="+mn-cs"/>
-              </a:defRPr>
-            </a:lvl2pPr>
-            <a:lvl3pPr marL="1143000" indent="-228600" algn="l" defTabSz="914400" rtl="0" eaLnBrk="1" latinLnBrk="0" hangingPunct="1">
-              <a:spcBef>
-                <a:spcPct val="20000"/>
-              </a:spcBef>
-              <a:buFont typeface="Arial" pitchFamily="34" charset="0"/>
-              <a:buChar char="•"/>
-              <a:defRPr sz="2400" kern="1200">
-                <a:solidFill>
-                  <a:schemeClr val="tx1"/>
-                </a:solidFill>
-                <a:latin typeface="+mn-lt"/>
-                <a:ea typeface="+mn-ea"/>
-                <a:cs typeface="+mn-cs"/>
-              </a:defRPr>
-            </a:lvl3pPr>
-            <a:lvl4pPr marL="1600200" indent="-228600" algn="l" defTabSz="914400" rtl="0" eaLnBrk="1" latinLnBrk="0" hangingPunct="1">
-              <a:spcBef>
-                <a:spcPct val="20000"/>
-              </a:spcBef>
-              <a:buFont typeface="Arial" pitchFamily="34" charset="0"/>
-              <a:buChar char="–"/>
-              <a:defRPr sz="2000" kern="1200">
-                <a:solidFill>
-                  <a:schemeClr val="tx1"/>
-                </a:solidFill>
-                <a:latin typeface="+mn-lt"/>
-                <a:ea typeface="+mn-ea"/>
-                <a:cs typeface="+mn-cs"/>
-              </a:defRPr>
-            </a:lvl4pPr>
-            <a:lvl5pPr marL="2057400" indent="-228600" algn="l" defTabSz="914400" rtl="0" eaLnBrk="1" latinLnBrk="0" hangingPunct="1">
-              <a:spcBef>
-                <a:spcPct val="20000"/>
-              </a:spcBef>
-              <a:buFont typeface="Arial" pitchFamily="34" charset="0"/>
-              <a:buChar char="»"/>
-              <a:defRPr sz="2000" kern="1200">
-                <a:solidFill>
-                  <a:schemeClr val="tx1"/>
-                </a:solidFill>
-                <a:latin typeface="+mn-lt"/>
-                <a:ea typeface="+mn-ea"/>
-                <a:cs typeface="+mn-cs"/>
-              </a:defRPr>
-            </a:lvl5pPr>
-            <a:lvl6pPr marL="2514600" indent="-228600" algn="l" defTabSz="914400" rtl="0" eaLnBrk="1" latinLnBrk="0" hangingPunct="1">
-              <a:spcBef>
-                <a:spcPct val="20000"/>
-              </a:spcBef>
-              <a:buFont typeface="Arial" pitchFamily="34" charset="0"/>
-              <a:buChar char="•"/>
-              <a:defRPr sz="2000" kern="1200">
-                <a:solidFill>
-                  <a:schemeClr val="tx1"/>
-                </a:solidFill>
-                <a:latin typeface="+mn-lt"/>
-                <a:ea typeface="+mn-ea"/>
-                <a:cs typeface="+mn-cs"/>
-              </a:defRPr>
-            </a:lvl6pPr>
-            <a:lvl7pPr marL="2971800" indent="-228600" algn="l" defTabSz="914400" rtl="0" eaLnBrk="1" latinLnBrk="0" hangingPunct="1">
-              <a:spcBef>
-                <a:spcPct val="20000"/>
-              </a:spcBef>
-              <a:buFont typeface="Arial" pitchFamily="34" charset="0"/>
-              <a:buChar char="•"/>
-              <a:defRPr sz="2000" kern="1200">
-                <a:solidFill>
-                  <a:schemeClr val="tx1"/>
-                </a:solidFill>
-                <a:latin typeface="+mn-lt"/>
-                <a:ea typeface="+mn-ea"/>
-                <a:cs typeface="+mn-cs"/>
-              </a:defRPr>
-            </a:lvl7pPr>
-            <a:lvl8pPr marL="3429000" indent="-228600" algn="l" defTabSz="914400" rtl="0" eaLnBrk="1" latinLnBrk="0" hangingPunct="1">
-              <a:spcBef>
-                <a:spcPct val="20000"/>
-              </a:spcBef>
-              <a:buFont typeface="Arial" pitchFamily="34" charset="0"/>
-              <a:buChar char="•"/>
-              <a:defRPr sz="2000" kern="1200">
-                <a:solidFill>
-                  <a:schemeClr val="tx1"/>
-                </a:solidFill>
-                <a:latin typeface="+mn-lt"/>
-                <a:ea typeface="+mn-ea"/>
-                <a:cs typeface="+mn-cs"/>
-              </a:defRPr>
-            </a:lvl8pPr>
-            <a:lvl9pPr marL="3886200" indent="-228600" algn="l" defTabSz="914400" rtl="0" eaLnBrk="1" latinLnBrk="0" hangingPunct="1">
-              <a:spcBef>
-                <a:spcPct val="20000"/>
-              </a:spcBef>
-              <a:buFont typeface="Arial" pitchFamily="34" charset="0"/>
-              <a:buChar char="•"/>
-              <a:defRPr sz="2000" kern="1200">
-                <a:solidFill>
-                  <a:schemeClr val="tx1"/>
-                </a:solidFill>
-                <a:latin typeface="+mn-lt"/>
-                <a:ea typeface="+mn-ea"/>
-                <a:cs typeface="+mn-cs"/>
-              </a:defRPr>
-            </a:lvl9pPr>
           </a:lstStyle>
           <a:p>
-            <a:pPr>
-              <a:lnSpc>
-                <a:spcPct val="150000"/>
-              </a:lnSpc>
-            </a:pPr>
-            <a:r>
-              <a:rPr lang="fr-FR" sz="2800" dirty="0" smtClean="0">
-                <a:latin typeface="Gill Sans MT" pitchFamily="34" charset="0"/>
-              </a:rPr>
-              <a:t>abstract </a:t>
-            </a:r>
-            <a:r>
-              <a:rPr lang="fr-FR" sz="2800" dirty="0" err="1" smtClean="0">
-                <a:latin typeface="Gill Sans MT" pitchFamily="34" charset="0"/>
-              </a:rPr>
-              <a:t>void</a:t>
-            </a:r>
-            <a:r>
-              <a:rPr lang="fr-FR" sz="2800" dirty="0" smtClean="0">
-                <a:latin typeface="Gill Sans MT" pitchFamily="34" charset="0"/>
-              </a:rPr>
-              <a:t> </a:t>
-            </a:r>
-            <a:r>
-              <a:rPr lang="fr-FR" sz="2800" dirty="0" err="1" smtClean="0">
-                <a:solidFill>
-                  <a:schemeClr val="accent6">
-                    <a:lumMod val="75000"/>
-                  </a:schemeClr>
-                </a:solidFill>
-                <a:latin typeface="Gill Sans MT" pitchFamily="34" charset="0"/>
-              </a:rPr>
-              <a:t>onStart</a:t>
-            </a:r>
-            <a:r>
-              <a:rPr lang="fr-FR" sz="2800" dirty="0" smtClean="0">
-                <a:latin typeface="Gill Sans MT" pitchFamily="34" charset="0"/>
-              </a:rPr>
-              <a:t>();</a:t>
-            </a:r>
-            <a:endParaRPr lang="fr-FR" sz="2800" dirty="0">
-              <a:latin typeface="Gill Sans MT" pitchFamily="34" charset="0"/>
+            <a:r>
+              <a:rPr lang="fr-FR" dirty="0" smtClean="0">
+                <a:latin typeface="Bauhaus 93" pitchFamily="82" charset="0"/>
+              </a:rPr>
+              <a:t>Matrice</a:t>
+            </a:r>
+            <a:endParaRPr lang="fr-FR" dirty="0">
+              <a:latin typeface="Bauhaus 93" pitchFamily="82" charset="0"/>
             </a:endParaRPr>
           </a:p>
-          <a:p>
-            <a:pPr>
-              <a:lnSpc>
-                <a:spcPct val="150000"/>
-              </a:lnSpc>
-            </a:pPr>
-            <a:r>
-              <a:rPr lang="fr-FR" sz="2800" dirty="0" smtClean="0">
-                <a:latin typeface="Gill Sans MT" pitchFamily="34" charset="0"/>
-              </a:rPr>
-              <a:t>abstract </a:t>
-            </a:r>
-            <a:r>
-              <a:rPr lang="fr-FR" sz="2800" dirty="0" err="1">
-                <a:latin typeface="Gill Sans MT" pitchFamily="34" charset="0"/>
-              </a:rPr>
-              <a:t>void</a:t>
-            </a:r>
-            <a:r>
-              <a:rPr lang="fr-FR" sz="2800" dirty="0">
-                <a:latin typeface="Gill Sans MT" pitchFamily="34" charset="0"/>
-              </a:rPr>
-              <a:t> </a:t>
-            </a:r>
-            <a:r>
-              <a:rPr lang="fr-FR" sz="2800" dirty="0" err="1">
-                <a:solidFill>
-                  <a:schemeClr val="accent6">
-                    <a:lumMod val="75000"/>
-                  </a:schemeClr>
-                </a:solidFill>
-                <a:latin typeface="Gill Sans MT" pitchFamily="34" charset="0"/>
-              </a:rPr>
-              <a:t>onTargetFound</a:t>
-            </a:r>
-            <a:r>
-              <a:rPr lang="fr-FR" sz="2800" dirty="0" smtClean="0">
-                <a:latin typeface="Gill Sans MT" pitchFamily="34" charset="0"/>
-              </a:rPr>
-              <a:t>();</a:t>
-            </a:r>
-            <a:endParaRPr lang="fr-FR" sz="2800" dirty="0">
-              <a:latin typeface="Gill Sans MT" pitchFamily="34" charset="0"/>
-            </a:endParaRPr>
-          </a:p>
-          <a:p>
-            <a:pPr>
-              <a:lnSpc>
-                <a:spcPct val="150000"/>
-              </a:lnSpc>
-            </a:pPr>
-            <a:r>
-              <a:rPr lang="fr-FR" sz="2800" dirty="0" smtClean="0">
-                <a:latin typeface="Gill Sans MT" pitchFamily="34" charset="0"/>
-              </a:rPr>
-              <a:t>abstract </a:t>
-            </a:r>
-            <a:r>
-              <a:rPr lang="fr-FR" sz="2800" dirty="0" err="1">
-                <a:latin typeface="Gill Sans MT" pitchFamily="34" charset="0"/>
-              </a:rPr>
-              <a:t>void</a:t>
-            </a:r>
-            <a:r>
-              <a:rPr lang="fr-FR" sz="2800" dirty="0">
-                <a:latin typeface="Gill Sans MT" pitchFamily="34" charset="0"/>
-              </a:rPr>
-              <a:t> </a:t>
-            </a:r>
-            <a:r>
-              <a:rPr lang="fr-FR" sz="2800" dirty="0" err="1">
-                <a:solidFill>
-                  <a:schemeClr val="accent6">
-                    <a:lumMod val="75000"/>
-                  </a:schemeClr>
-                </a:solidFill>
-                <a:latin typeface="Gill Sans MT" pitchFamily="34" charset="0"/>
-              </a:rPr>
-              <a:t>onTargetLost</a:t>
-            </a:r>
-            <a:r>
-              <a:rPr lang="fr-FR" sz="2800" dirty="0" smtClean="0">
-                <a:latin typeface="Gill Sans MT" pitchFamily="34" charset="0"/>
-              </a:rPr>
-              <a:t>();</a:t>
-            </a:r>
-            <a:endParaRPr lang="fr-FR" sz="2800" dirty="0">
-              <a:latin typeface="Gill Sans MT" pitchFamily="34" charset="0"/>
-            </a:endParaRPr>
-          </a:p>
-          <a:p>
-            <a:pPr>
-              <a:lnSpc>
-                <a:spcPct val="150000"/>
-              </a:lnSpc>
-            </a:pPr>
-            <a:r>
-              <a:rPr lang="fr-FR" sz="2800" dirty="0" smtClean="0">
-                <a:latin typeface="Gill Sans MT" pitchFamily="34" charset="0"/>
-              </a:rPr>
-              <a:t>abstract </a:t>
-            </a:r>
-            <a:r>
-              <a:rPr lang="fr-FR" sz="2800" dirty="0" err="1">
-                <a:latin typeface="Gill Sans MT" pitchFamily="34" charset="0"/>
-              </a:rPr>
-              <a:t>void</a:t>
-            </a:r>
-            <a:r>
-              <a:rPr lang="fr-FR" sz="2800" dirty="0">
-                <a:latin typeface="Gill Sans MT" pitchFamily="34" charset="0"/>
-              </a:rPr>
-              <a:t> </a:t>
-            </a:r>
-            <a:r>
-              <a:rPr lang="fr-FR" sz="2800" dirty="0" err="1" smtClean="0">
-                <a:solidFill>
-                  <a:schemeClr val="accent6">
-                    <a:lumMod val="75000"/>
-                  </a:schemeClr>
-                </a:solidFill>
-                <a:latin typeface="Gill Sans MT" pitchFamily="34" charset="0"/>
-              </a:rPr>
-              <a:t>onTargeted</a:t>
-            </a:r>
-            <a:r>
-              <a:rPr lang="fr-FR" sz="2800" dirty="0" smtClean="0">
-                <a:solidFill>
-                  <a:schemeClr val="accent6">
-                    <a:lumMod val="75000"/>
-                  </a:schemeClr>
-                </a:solidFill>
-                <a:latin typeface="Gill Sans MT" pitchFamily="34" charset="0"/>
-              </a:rPr>
-              <a:t> </a:t>
-            </a:r>
-            <a:r>
-              <a:rPr lang="fr-FR" sz="2800" dirty="0" smtClean="0">
-                <a:latin typeface="Gill Sans MT" pitchFamily="34" charset="0"/>
-              </a:rPr>
-              <a:t>(</a:t>
-            </a:r>
-            <a:r>
-              <a:rPr lang="fr-FR" sz="2800" dirty="0" err="1">
-                <a:latin typeface="Gill Sans MT" pitchFamily="34" charset="0"/>
-              </a:rPr>
-              <a:t>GolemManager</a:t>
-            </a:r>
-            <a:r>
-              <a:rPr lang="fr-FR" sz="2800" dirty="0">
-                <a:solidFill>
-                  <a:schemeClr val="accent6">
-                    <a:lumMod val="75000"/>
-                  </a:schemeClr>
-                </a:solidFill>
-                <a:latin typeface="Gill Sans MT" pitchFamily="34" charset="0"/>
-              </a:rPr>
-              <a:t> </a:t>
-            </a:r>
-            <a:r>
-              <a:rPr lang="fr-FR" sz="2800" dirty="0" err="1">
-                <a:latin typeface="Gill Sans MT" pitchFamily="34" charset="0"/>
-              </a:rPr>
-              <a:t>foe</a:t>
-            </a:r>
-            <a:r>
-              <a:rPr lang="fr-FR" sz="2800" dirty="0" smtClean="0">
-                <a:latin typeface="Gill Sans MT" pitchFamily="34" charset="0"/>
-              </a:rPr>
-              <a:t>);</a:t>
-            </a:r>
-            <a:endParaRPr lang="fr-FR" sz="2800" dirty="0">
-              <a:latin typeface="Gill Sans MT" pitchFamily="34" charset="0"/>
-            </a:endParaRPr>
-          </a:p>
-          <a:p>
-            <a:pPr>
-              <a:lnSpc>
-                <a:spcPct val="150000"/>
-              </a:lnSpc>
-            </a:pPr>
-            <a:r>
-              <a:rPr lang="fr-FR" sz="2800" dirty="0" smtClean="0">
-                <a:latin typeface="Gill Sans MT" pitchFamily="34" charset="0"/>
-              </a:rPr>
-              <a:t>abstract </a:t>
-            </a:r>
-            <a:r>
-              <a:rPr lang="fr-FR" sz="2800" dirty="0" err="1">
-                <a:latin typeface="Gill Sans MT" pitchFamily="34" charset="0"/>
-              </a:rPr>
-              <a:t>void</a:t>
-            </a:r>
-            <a:r>
-              <a:rPr lang="fr-FR" sz="2800" dirty="0">
-                <a:latin typeface="Gill Sans MT" pitchFamily="34" charset="0"/>
-              </a:rPr>
-              <a:t> </a:t>
-            </a:r>
-            <a:r>
-              <a:rPr lang="fr-FR" sz="2800" dirty="0" err="1">
-                <a:solidFill>
-                  <a:schemeClr val="accent6">
-                    <a:lumMod val="75000"/>
-                  </a:schemeClr>
-                </a:solidFill>
-                <a:latin typeface="Gill Sans MT" pitchFamily="34" charset="0"/>
-              </a:rPr>
-              <a:t>onMoveDestinationReach</a:t>
-            </a:r>
-            <a:r>
-              <a:rPr lang="fr-FR" sz="2800" dirty="0">
-                <a:solidFill>
-                  <a:schemeClr val="accent6">
-                    <a:lumMod val="75000"/>
-                  </a:schemeClr>
-                </a:solidFill>
-                <a:latin typeface="Gill Sans MT" pitchFamily="34" charset="0"/>
-              </a:rPr>
-              <a:t> </a:t>
-            </a:r>
-            <a:r>
-              <a:rPr lang="fr-FR" sz="2800" dirty="0" smtClean="0">
-                <a:latin typeface="Gill Sans MT" pitchFamily="34" charset="0"/>
-              </a:rPr>
-              <a:t>();</a:t>
-            </a:r>
-            <a:endParaRPr lang="fr-FR" sz="2800" dirty="0">
-              <a:latin typeface="Gill Sans MT" pitchFamily="34" charset="0"/>
-            </a:endParaRPr>
-          </a:p>
-          <a:p>
-            <a:pPr>
-              <a:lnSpc>
-                <a:spcPct val="150000"/>
-              </a:lnSpc>
-            </a:pPr>
-            <a:r>
-              <a:rPr lang="fr-FR" sz="2800" dirty="0" smtClean="0">
-                <a:latin typeface="Gill Sans MT" pitchFamily="34" charset="0"/>
-              </a:rPr>
-              <a:t>abstract </a:t>
-            </a:r>
-            <a:r>
-              <a:rPr lang="fr-FR" sz="2800" dirty="0" err="1">
-                <a:latin typeface="Gill Sans MT" pitchFamily="34" charset="0"/>
-              </a:rPr>
-              <a:t>void</a:t>
-            </a:r>
-            <a:r>
-              <a:rPr lang="fr-FR" sz="2800" dirty="0">
-                <a:latin typeface="Gill Sans MT" pitchFamily="34" charset="0"/>
-              </a:rPr>
-              <a:t> </a:t>
-            </a:r>
-            <a:r>
-              <a:rPr lang="fr-FR" sz="2800" dirty="0" err="1">
-                <a:solidFill>
-                  <a:schemeClr val="accent6">
-                    <a:lumMod val="75000"/>
-                  </a:schemeClr>
-                </a:solidFill>
-                <a:latin typeface="Gill Sans MT" pitchFamily="34" charset="0"/>
-              </a:rPr>
-              <a:t>onTriggerEnter</a:t>
-            </a:r>
-            <a:r>
-              <a:rPr lang="fr-FR" sz="2800" dirty="0">
-                <a:solidFill>
-                  <a:schemeClr val="accent6">
-                    <a:lumMod val="75000"/>
-                  </a:schemeClr>
-                </a:solidFill>
-                <a:latin typeface="Gill Sans MT" pitchFamily="34" charset="0"/>
-              </a:rPr>
-              <a:t> </a:t>
-            </a:r>
-            <a:r>
-              <a:rPr lang="fr-FR" sz="2800" dirty="0">
-                <a:latin typeface="Gill Sans MT" pitchFamily="34" charset="0"/>
-              </a:rPr>
-              <a:t>(</a:t>
-            </a:r>
-            <a:r>
-              <a:rPr lang="fr-FR" sz="2800" dirty="0" err="1">
-                <a:latin typeface="Gill Sans MT" pitchFamily="34" charset="0"/>
-              </a:rPr>
-              <a:t>GolemManager</a:t>
-            </a:r>
-            <a:r>
-              <a:rPr lang="fr-FR" sz="2800" dirty="0">
-                <a:latin typeface="Gill Sans MT" pitchFamily="34" charset="0"/>
-              </a:rPr>
-              <a:t> </a:t>
-            </a:r>
-            <a:r>
-              <a:rPr lang="fr-FR" sz="2800" dirty="0" err="1">
-                <a:latin typeface="Gill Sans MT" pitchFamily="34" charset="0"/>
-              </a:rPr>
-              <a:t>foe</a:t>
-            </a:r>
-            <a:r>
-              <a:rPr lang="fr-FR" sz="2800" dirty="0" smtClean="0">
-                <a:latin typeface="Gill Sans MT" pitchFamily="34" charset="0"/>
-              </a:rPr>
-              <a:t>);</a:t>
-            </a:r>
-            <a:endParaRPr lang="fr-FR" sz="2800" dirty="0">
-              <a:latin typeface="Gill Sans MT" pitchFamily="34" charset="0"/>
-            </a:endParaRPr>
-          </a:p>
-          <a:p>
-            <a:pPr>
-              <a:lnSpc>
-                <a:spcPct val="150000"/>
-              </a:lnSpc>
-            </a:pPr>
-            <a:r>
-              <a:rPr lang="fr-FR" sz="2800" dirty="0" smtClean="0">
-                <a:latin typeface="Gill Sans MT" pitchFamily="34" charset="0"/>
-              </a:rPr>
-              <a:t>abstract </a:t>
-            </a:r>
-            <a:r>
-              <a:rPr lang="fr-FR" sz="2800" dirty="0" err="1">
-                <a:latin typeface="Gill Sans MT" pitchFamily="34" charset="0"/>
-              </a:rPr>
-              <a:t>void</a:t>
-            </a:r>
-            <a:r>
-              <a:rPr lang="fr-FR" sz="2800" dirty="0">
-                <a:latin typeface="Gill Sans MT" pitchFamily="34" charset="0"/>
-              </a:rPr>
-              <a:t> </a:t>
-            </a:r>
-            <a:r>
-              <a:rPr lang="fr-FR" sz="2800" dirty="0" err="1">
-                <a:solidFill>
-                  <a:schemeClr val="accent6">
-                    <a:lumMod val="75000"/>
-                  </a:schemeClr>
-                </a:solidFill>
-                <a:latin typeface="Gill Sans MT" pitchFamily="34" charset="0"/>
-              </a:rPr>
-              <a:t>onAttackOver</a:t>
-            </a:r>
-            <a:r>
-              <a:rPr lang="fr-FR" sz="2800" dirty="0">
-                <a:solidFill>
-                  <a:schemeClr val="accent6">
-                    <a:lumMod val="75000"/>
-                  </a:schemeClr>
-                </a:solidFill>
-                <a:latin typeface="Gill Sans MT" pitchFamily="34" charset="0"/>
-              </a:rPr>
-              <a:t> </a:t>
-            </a:r>
-            <a:r>
-              <a:rPr lang="fr-FR" sz="2800" dirty="0" smtClean="0">
-                <a:latin typeface="Gill Sans MT" pitchFamily="34" charset="0"/>
-              </a:rPr>
-              <a:t>();</a:t>
-            </a:r>
-            <a:endParaRPr lang="fr-FR" sz="2800" dirty="0">
-              <a:latin typeface="Gill Sans MT" pitchFamily="34" charset="0"/>
-            </a:endParaRPr>
-          </a:p>
-          <a:p>
-            <a:pPr>
-              <a:lnSpc>
-                <a:spcPct val="150000"/>
-              </a:lnSpc>
-            </a:pPr>
-            <a:r>
-              <a:rPr lang="fr-FR" sz="2800" dirty="0" smtClean="0">
-                <a:latin typeface="Gill Sans MT" pitchFamily="34" charset="0"/>
-              </a:rPr>
-              <a:t>abstract </a:t>
-            </a:r>
-            <a:r>
-              <a:rPr lang="fr-FR" sz="2800" dirty="0" err="1">
-                <a:latin typeface="Gill Sans MT" pitchFamily="34" charset="0"/>
-              </a:rPr>
-              <a:t>void</a:t>
-            </a:r>
-            <a:r>
-              <a:rPr lang="fr-FR" sz="2800" dirty="0">
-                <a:latin typeface="Gill Sans MT" pitchFamily="34" charset="0"/>
-              </a:rPr>
-              <a:t> </a:t>
-            </a:r>
-            <a:r>
-              <a:rPr lang="fr-FR" sz="2800" dirty="0" err="1">
-                <a:solidFill>
-                  <a:schemeClr val="accent6">
-                    <a:lumMod val="75000"/>
-                  </a:schemeClr>
-                </a:solidFill>
-                <a:latin typeface="Gill Sans MT" pitchFamily="34" charset="0"/>
-              </a:rPr>
-              <a:t>onTakingHit</a:t>
-            </a:r>
-            <a:r>
-              <a:rPr lang="fr-FR" sz="2800" dirty="0">
-                <a:solidFill>
-                  <a:schemeClr val="accent6">
-                    <a:lumMod val="75000"/>
-                  </a:schemeClr>
-                </a:solidFill>
-                <a:latin typeface="Gill Sans MT" pitchFamily="34" charset="0"/>
-              </a:rPr>
-              <a:t> </a:t>
-            </a:r>
-            <a:r>
-              <a:rPr lang="fr-FR" sz="2800" dirty="0">
-                <a:latin typeface="Gill Sans MT" pitchFamily="34" charset="0"/>
-              </a:rPr>
-              <a:t>();</a:t>
-            </a:r>
-          </a:p>
-        </p:txBody>
-      </p:sp>
+        </p:txBody>
+      </p:sp>
+      <p:pic>
+        <p:nvPicPr>
+          <p:cNvPr id="5" name="Picture 2" descr="E:\Dossier Magique\Projets\OpenSticky\OpenSticky\DOC\PPT\src\matrix.png"/>
+          <p:cNvPicPr>
+            <a:picLocks noChangeAspect="1" noChangeArrowheads="1"/>
+          </p:cNvPicPr>
+          <p:nvPr/>
+        </p:nvPicPr>
+        <p:blipFill>
+          <a:blip r:embed="rId2">
+            <a:extLst>
+              <a:ext uri="{28A0092B-C50C-407E-A947-70E740481C1C}">
+                <a14:useLocalDpi xmlns:a14="http://schemas.microsoft.com/office/drawing/2010/main" val="0"/>
+              </a:ext>
+            </a:extLst>
+          </a:blip>
+          <a:srcRect/>
+          <a:stretch>
+            <a:fillRect/>
+          </a:stretch>
+        </p:blipFill>
+        <p:spPr bwMode="auto">
+          <a:xfrm>
+            <a:off x="2025352" y="1423020"/>
+            <a:ext cx="5426968" cy="5426968"/>
+          </a:xfrm>
+          <a:prstGeom prst="rect">
+            <a:avLst/>
+          </a:prstGeom>
+          <a:noFill/>
+          <a:extLst>
+            <a:ext uri="{909E8E84-426E-40DD-AFC4-6F175D3DCCD1}">
+              <a14:hiddenFill xmlns:a14="http://schemas.microsoft.com/office/drawing/2010/main">
+                <a:solidFill>
+                  <a:srgbClr val="FFFFFF"/>
+                </a:solidFill>
+              </a14:hiddenFill>
+            </a:ext>
+          </a:extLst>
+        </p:spPr>
+      </p:pic>
     </p:spTree>
     <p:extLst>
       <p:ext uri="{BB962C8B-B14F-4D97-AF65-F5344CB8AC3E}">
